--- a/Presentation.pptx
+++ b/Presentation.pptx
@@ -2,11 +2,14 @@
 <file path=ppt/presentation.xml><?xml version="1.0" encoding="utf-8"?>
 <p:presentation xmlns:a="http://schemas.openxmlformats.org/drawingml/2006/main" xmlns:r="http://schemas.openxmlformats.org/officeDocument/2006/relationships" xmlns:p="http://schemas.openxmlformats.org/presentationml/2006/main" saveSubsetFonts="1">
   <p:sldMasterIdLst>
-    <p:sldMasterId id="2147483857" r:id="rId1"/>
+    <p:sldMasterId id="2147483869" r:id="rId1"/>
   </p:sldMasterIdLst>
   <p:sldIdLst>
     <p:sldId id="256" r:id="rId2"/>
     <p:sldId id="257" r:id="rId3"/>
+    <p:sldId id="259" r:id="rId4"/>
+    <p:sldId id="258" r:id="rId5"/>
+    <p:sldId id="260" r:id="rId6"/>
   </p:sldIdLst>
   <p:sldSz cx="12192000" cy="6858000"/>
   <p:notesSz cx="6858000" cy="9144000"/>
@@ -105,12 +108,25 @@
       </a:defRPr>
     </a:lvl9pPr>
   </p:defaultTextStyle>
+  <p:extLst>
+    <p:ext uri="{EFAFB233-063F-42B5-8137-9DF3F51BA10A}">
+      <p15:sldGuideLst xmlns:p15="http://schemas.microsoft.com/office/powerpoint/2012/main"/>
+    </p:ext>
+  </p:extLst>
 </p:presentation>
 </file>
 
 <file path=ppt/slideLayouts/slideLayout1.xml><?xml version="1.0" encoding="utf-8"?>
 <p:sldLayout xmlns:a="http://schemas.openxmlformats.org/drawingml/2006/main" xmlns:r="http://schemas.openxmlformats.org/officeDocument/2006/relationships" xmlns:p="http://schemas.openxmlformats.org/presentationml/2006/main" showMasterSp="0" type="title" preserve="1">
   <p:cSld name="Title Slide">
+    <p:bg>
+      <p:bgPr>
+        <a:solidFill>
+          <a:schemeClr val="bg2"/>
+        </a:solidFill>
+        <a:effectLst/>
+      </p:bgPr>
+    </p:bg>
     <p:spTree>
       <p:nvGrpSpPr>
         <p:cNvPr id="1" name=""/>
@@ -127,261 +143,6 @@
       </p:grpSpPr>
       <p:sp>
         <p:nvSpPr>
-          <p:cNvPr id="7" name="Rectangle 6"/>
-          <p:cNvSpPr/>
-          <p:nvPr/>
-        </p:nvSpPr>
-        <p:spPr>
-          <a:xfrm>
-            <a:off x="920834" y="1346946"/>
-            <a:ext cx="10222992" cy="80683"/>
-          </a:xfrm>
-          <a:prstGeom prst="rect">
-            <a:avLst/>
-          </a:prstGeom>
-          <a:blipFill dpi="0" rotWithShape="1">
-            <a:blip r:embed="rId2">
-              <a:alphaModFix amt="85000"/>
-              <a:lum bright="70000" contrast="-70000"/>
-              <a:extLst>
-                <a:ext uri="{BEBA8EAE-BF5A-486C-A8C5-ECC9F3942E4B}">
-                  <a14:imgProps xmlns:a14="http://schemas.microsoft.com/office/drawing/2010/main">
-                    <a14:imgLayer r:embed="rId3">
-                      <a14:imgEffect>
-                        <a14:sharpenSoften amount="61000"/>
-                      </a14:imgEffect>
-                    </a14:imgLayer>
-                  </a14:imgProps>
-                </a:ext>
-                <a:ext uri="{28A0092B-C50C-407E-A947-70E740481C1C}">
-                  <a14:useLocalDpi xmlns:a14="http://schemas.microsoft.com/office/drawing/2010/main" val="0"/>
-                </a:ext>
-              </a:extLst>
-            </a:blip>
-            <a:srcRect/>
-            <a:tile tx="0" ty="-762000" sx="92000" sy="89000" flip="xy" algn="ctr"/>
-          </a:blipFill>
-          <a:ln>
-            <a:noFill/>
-          </a:ln>
-        </p:spPr>
-        <p:style>
-          <a:lnRef idx="2">
-            <a:schemeClr val="accent1">
-              <a:shade val="50000"/>
-            </a:schemeClr>
-          </a:lnRef>
-          <a:fillRef idx="1">
-            <a:schemeClr val="accent1"/>
-          </a:fillRef>
-          <a:effectRef idx="0">
-            <a:schemeClr val="accent1"/>
-          </a:effectRef>
-          <a:fontRef idx="minor">
-            <a:schemeClr val="lt1"/>
-          </a:fontRef>
-        </p:style>
-      </p:sp>
-      <p:sp>
-        <p:nvSpPr>
-          <p:cNvPr id="8" name="Rectangle 7"/>
-          <p:cNvSpPr/>
-          <p:nvPr/>
-        </p:nvSpPr>
-        <p:spPr>
-          <a:xfrm>
-            <a:off x="920834" y="4299696"/>
-            <a:ext cx="10222992" cy="80683"/>
-          </a:xfrm>
-          <a:prstGeom prst="rect">
-            <a:avLst/>
-          </a:prstGeom>
-          <a:blipFill dpi="0" rotWithShape="1">
-            <a:blip r:embed="rId2">
-              <a:alphaModFix amt="85000"/>
-              <a:lum bright="70000" contrast="-70000"/>
-              <a:extLst>
-                <a:ext uri="{BEBA8EAE-BF5A-486C-A8C5-ECC9F3942E4B}">
-                  <a14:imgProps xmlns:a14="http://schemas.microsoft.com/office/drawing/2010/main">
-                    <a14:imgLayer r:embed="rId3">
-                      <a14:imgEffect>
-                        <a14:sharpenSoften amount="61000"/>
-                      </a14:imgEffect>
-                    </a14:imgLayer>
-                  </a14:imgProps>
-                </a:ext>
-                <a:ext uri="{28A0092B-C50C-407E-A947-70E740481C1C}">
-                  <a14:useLocalDpi xmlns:a14="http://schemas.microsoft.com/office/drawing/2010/main" val="0"/>
-                </a:ext>
-              </a:extLst>
-            </a:blip>
-            <a:srcRect/>
-            <a:tile tx="0" ty="-717550" sx="92000" sy="89000" flip="xy" algn="ctr"/>
-          </a:blipFill>
-          <a:ln>
-            <a:noFill/>
-          </a:ln>
-        </p:spPr>
-        <p:style>
-          <a:lnRef idx="2">
-            <a:schemeClr val="accent1">
-              <a:shade val="50000"/>
-            </a:schemeClr>
-          </a:lnRef>
-          <a:fillRef idx="1">
-            <a:schemeClr val="accent1"/>
-          </a:fillRef>
-          <a:effectRef idx="0">
-            <a:schemeClr val="accent1"/>
-          </a:effectRef>
-          <a:fontRef idx="minor">
-            <a:schemeClr val="lt1"/>
-          </a:fontRef>
-        </p:style>
-      </p:sp>
-      <p:sp>
-        <p:nvSpPr>
-          <p:cNvPr id="9" name="Rectangle 8"/>
-          <p:cNvSpPr/>
-          <p:nvPr/>
-        </p:nvSpPr>
-        <p:spPr>
-          <a:xfrm>
-            <a:off x="920834" y="1484779"/>
-            <a:ext cx="10222992" cy="2743200"/>
-          </a:xfrm>
-          <a:prstGeom prst="rect">
-            <a:avLst/>
-          </a:prstGeom>
-          <a:blipFill dpi="0" rotWithShape="1">
-            <a:blip r:embed="rId2">
-              <a:alphaModFix amt="85000"/>
-              <a:lum bright="70000" contrast="-70000"/>
-              <a:extLst>
-                <a:ext uri="{BEBA8EAE-BF5A-486C-A8C5-ECC9F3942E4B}">
-                  <a14:imgProps xmlns:a14="http://schemas.microsoft.com/office/drawing/2010/main">
-                    <a14:imgLayer r:embed="rId3">
-                      <a14:imgEffect>
-                        <a14:sharpenSoften amount="61000"/>
-                      </a14:imgEffect>
-                    </a14:imgLayer>
-                  </a14:imgProps>
-                </a:ext>
-                <a:ext uri="{28A0092B-C50C-407E-A947-70E740481C1C}">
-                  <a14:useLocalDpi xmlns:a14="http://schemas.microsoft.com/office/drawing/2010/main" val="0"/>
-                </a:ext>
-              </a:extLst>
-            </a:blip>
-            <a:srcRect/>
-            <a:tile tx="0" ty="-704850" sx="92000" sy="89000" flip="xy" algn="ctr"/>
-          </a:blipFill>
-          <a:ln>
-            <a:noFill/>
-          </a:ln>
-        </p:spPr>
-        <p:style>
-          <a:lnRef idx="2">
-            <a:schemeClr val="accent1">
-              <a:shade val="50000"/>
-            </a:schemeClr>
-          </a:lnRef>
-          <a:fillRef idx="1">
-            <a:schemeClr val="accent1"/>
-          </a:fillRef>
-          <a:effectRef idx="0">
-            <a:schemeClr val="accent1"/>
-          </a:effectRef>
-          <a:fontRef idx="minor">
-            <a:schemeClr val="lt1"/>
-          </a:fontRef>
-        </p:style>
-      </p:sp>
-      <p:grpSp>
-        <p:nvGrpSpPr>
-          <p:cNvPr id="10" name="Group 9"/>
-          <p:cNvGrpSpPr/>
-          <p:nvPr/>
-        </p:nvGrpSpPr>
-        <p:grpSpPr>
-          <a:xfrm>
-            <a:off x="9649215" y="4068923"/>
-            <a:ext cx="1080904" cy="1080902"/>
-            <a:chOff x="9685338" y="4460675"/>
-            <a:chExt cx="1080904" cy="1080902"/>
-          </a:xfrm>
-        </p:grpSpPr>
-        <p:sp>
-          <p:nvSpPr>
-            <p:cNvPr id="11" name="Oval 10"/>
-            <p:cNvSpPr/>
-            <p:nvPr/>
-          </p:nvSpPr>
-          <p:spPr>
-            <a:xfrm>
-              <a:off x="9685338" y="4460675"/>
-              <a:ext cx="1080904" cy="1080902"/>
-            </a:xfrm>
-            <a:prstGeom prst="ellipse">
-              <a:avLst/>
-            </a:prstGeom>
-            <a:blipFill dpi="0" rotWithShape="1">
-              <a:blip r:embed="rId4">
-                <a:duotone>
-                  <a:schemeClr val="accent1">
-                    <a:shade val="45000"/>
-                    <a:satMod val="135000"/>
-                  </a:schemeClr>
-                  <a:prstClr val="white"/>
-                </a:duotone>
-                <a:extLst>
-                  <a:ext uri="{BEBA8EAE-BF5A-486C-A8C5-ECC9F3942E4B}">
-                    <a14:imgProps xmlns:a14="http://schemas.microsoft.com/office/drawing/2010/main">
-                      <a14:imgLayer r:embed="rId5">
-                        <a14:imgEffect>
-                          <a14:saturation sat="95000"/>
-                        </a14:imgEffect>
-                      </a14:imgLayer>
-                    </a14:imgProps>
-                  </a:ext>
-                </a:extLst>
-              </a:blip>
-              <a:srcRect/>
-              <a:tile tx="0" ty="0" sx="85000" sy="85000" flip="none" algn="tl"/>
-            </a:blipFill>
-            <a:ln w="25400" cap="flat" cmpd="sng" algn="ctr">
-              <a:noFill/>
-              <a:prstDash val="solid"/>
-            </a:ln>
-            <a:effectLst/>
-          </p:spPr>
-        </p:sp>
-        <p:sp>
-          <p:nvSpPr>
-            <p:cNvPr id="12" name="Oval 11"/>
-            <p:cNvSpPr/>
-            <p:nvPr/>
-          </p:nvSpPr>
-          <p:spPr>
-            <a:xfrm>
-              <a:off x="9793429" y="4568765"/>
-              <a:ext cx="864723" cy="864722"/>
-            </a:xfrm>
-            <a:prstGeom prst="ellipse">
-              <a:avLst/>
-            </a:prstGeom>
-            <a:noFill/>
-            <a:ln w="25400" cap="flat" cmpd="sng" algn="ctr">
-              <a:solidFill>
-                <a:sysClr val="window" lastClr="FFFFFF"/>
-              </a:solidFill>
-              <a:prstDash val="solid"/>
-            </a:ln>
-            <a:effectLst/>
-          </p:spPr>
-        </p:sp>
-      </p:grpSp>
-      <p:sp>
-        <p:nvSpPr>
           <p:cNvPr id="2" name="Title 1"/>
           <p:cNvSpPr>
             <a:spLocks noGrp="1"/>
@@ -392,25 +153,20 @@
         </p:nvSpPr>
         <p:spPr>
           <a:xfrm>
-            <a:off x="1051560" y="1432223"/>
-            <a:ext cx="9966960" cy="3035808"/>
-          </a:xfrm>
-        </p:spPr>
-        <p:txBody>
-          <a:bodyPr anchor="ctr">
+            <a:off x="1915128" y="1788454"/>
+            <a:ext cx="8361229" cy="2098226"/>
+          </a:xfrm>
+        </p:spPr>
+        <p:txBody>
+          <a:bodyPr anchor="b">
             <a:noAutofit/>
           </a:bodyPr>
           <a:lstStyle>
-            <a:lvl1pPr algn="l">
-              <a:lnSpc>
-                <a:spcPct val="80000"/>
-              </a:lnSpc>
-              <a:defRPr sz="9600" cap="all" baseline="0">
-                <a:blipFill dpi="0" rotWithShape="1">
-                  <a:blip r:embed="rId4"/>
-                  <a:srcRect/>
-                  <a:tile tx="6350" ty="-127000" sx="65000" sy="64000" flip="none" algn="tl"/>
-                </a:blipFill>
+            <a:lvl1pPr algn="ctr">
+              <a:defRPr sz="7200" cap="all" baseline="0">
+                <a:solidFill>
+                  <a:schemeClr val="tx2"/>
+                </a:solidFill>
               </a:defRPr>
             </a:lvl1pPr>
           </a:lstStyle>
@@ -435,8 +191,8 @@
         </p:nvSpPr>
         <p:spPr>
           <a:xfrm>
-            <a:off x="1069848" y="4389120"/>
-            <a:ext cx="7891272" cy="1069848"/>
+            <a:off x="2679906" y="3956279"/>
+            <a:ext cx="6831673" cy="1086237"/>
           </a:xfrm>
         </p:spPr>
         <p:txBody>
@@ -444,45 +200,50 @@
             <a:normAutofit/>
           </a:bodyPr>
           <a:lstStyle>
-            <a:lvl1pPr marL="0" indent="0" algn="l">
-              <a:buNone/>
-              <a:defRPr sz="2200">
-                <a:solidFill>
-                  <a:schemeClr val="tx1"/>
-                </a:solidFill>
-              </a:defRPr>
+            <a:lvl1pPr marL="0" indent="0" algn="ctr">
+              <a:lnSpc>
+                <a:spcPct val="112000"/>
+              </a:lnSpc>
+              <a:spcBef>
+                <a:spcPts val="0"/>
+              </a:spcBef>
+              <a:spcAft>
+                <a:spcPts val="0"/>
+              </a:spcAft>
+              <a:buNone/>
+              <a:defRPr sz="2300"/>
             </a:lvl1pPr>
             <a:lvl2pPr marL="457200" indent="0" algn="ctr">
               <a:buNone/>
-              <a:defRPr sz="2200"/>
+              <a:defRPr sz="2000"/>
             </a:lvl2pPr>
             <a:lvl3pPr marL="914400" indent="0" algn="ctr">
               <a:buNone/>
-              <a:defRPr sz="2200"/>
+              <a:defRPr sz="1800"/>
             </a:lvl3pPr>
             <a:lvl4pPr marL="1371600" indent="0" algn="ctr">
               <a:buNone/>
-              <a:defRPr sz="2000"/>
+              <a:defRPr sz="1600"/>
             </a:lvl4pPr>
             <a:lvl5pPr marL="1828800" indent="0" algn="ctr">
               <a:buNone/>
-              <a:defRPr sz="2000"/>
+              <a:defRPr sz="1600"/>
             </a:lvl5pPr>
             <a:lvl6pPr marL="2286000" indent="0" algn="ctr">
               <a:buNone/>
-              <a:defRPr sz="2000"/>
+              <a:defRPr sz="1600"/>
             </a:lvl6pPr>
             <a:lvl7pPr marL="2743200" indent="0" algn="ctr">
               <a:buNone/>
-              <a:defRPr sz="2000"/>
+              <a:defRPr sz="1600"/>
             </a:lvl7pPr>
             <a:lvl8pPr marL="3200400" indent="0" algn="ctr">
               <a:buNone/>
-              <a:defRPr sz="2000"/>
+              <a:defRPr sz="1600"/>
             </a:lvl8pPr>
             <a:lvl9pPr marL="3657600" indent="0" algn="ctr">
               <a:buNone/>
-              <a:defRPr sz="2000"/>
+              <a:defRPr sz="1600"/>
             </a:lvl9pPr>
           </a:lstStyle>
           <a:p>
@@ -504,59 +265,89 @@
             <p:ph type="dt" sz="half" idx="10"/>
           </p:nvPr>
         </p:nvSpPr>
-        <p:spPr/>
-        <p:txBody>
-          <a:bodyPr/>
-          <a:lstStyle/>
-          <a:p>
-            <a:fld id="{76E42EAE-A2C4-49F9-84E9-DCB4B2CCF06C}" type="datetimeFigureOut">
-              <a:rPr lang="en-IN" smtClean="0"/>
-              <a:t>12-11-2019</a:t>
-            </a:fld>
-            <a:endParaRPr lang="en-IN"/>
-          </a:p>
-        </p:txBody>
-      </p:sp>
-      <p:sp>
-        <p:nvSpPr>
-          <p:cNvPr id="5" name="Footer Placeholder 4"/>
-          <p:cNvSpPr>
-            <a:spLocks noGrp="1"/>
-          </p:cNvSpPr>
-          <p:nvPr>
-            <p:ph type="ftr" sz="quarter" idx="11"/>
-          </p:nvPr>
-        </p:nvSpPr>
-        <p:spPr/>
-        <p:txBody>
-          <a:bodyPr/>
-          <a:lstStyle/>
-          <a:p>
-            <a:endParaRPr lang="en-IN"/>
-          </a:p>
-        </p:txBody>
-      </p:sp>
-      <p:sp>
-        <p:nvSpPr>
-          <p:cNvPr id="6" name="Slide Number Placeholder 5"/>
-          <p:cNvSpPr>
-            <a:spLocks noGrp="1"/>
-          </p:cNvSpPr>
-          <p:nvPr>
-            <p:ph type="sldNum" sz="quarter" idx="12"/>
-          </p:nvPr>
-        </p:nvSpPr>
-        <p:spPr>
-          <a:xfrm>
-            <a:off x="9592733" y="4289334"/>
-            <a:ext cx="1193868" cy="640080"/>
+        <p:spPr>
+          <a:xfrm>
+            <a:off x="752858" y="6453386"/>
+            <a:ext cx="1607944" cy="404614"/>
           </a:xfrm>
         </p:spPr>
         <p:txBody>
           <a:bodyPr/>
           <a:lstStyle>
             <a:lvl1pPr>
-              <a:defRPr sz="2800"/>
+              <a:defRPr baseline="0">
+                <a:solidFill>
+                  <a:schemeClr val="tx2"/>
+                </a:solidFill>
+              </a:defRPr>
+            </a:lvl1pPr>
+          </a:lstStyle>
+          <a:p>
+            <a:fld id="{76E42EAE-A2C4-49F9-84E9-DCB4B2CCF06C}" type="datetimeFigureOut">
+              <a:rPr lang="en-IN" smtClean="0"/>
+              <a:t>16-11-2019</a:t>
+            </a:fld>
+            <a:endParaRPr lang="en-IN"/>
+          </a:p>
+        </p:txBody>
+      </p:sp>
+      <p:sp>
+        <p:nvSpPr>
+          <p:cNvPr id="5" name="Footer Placeholder 4"/>
+          <p:cNvSpPr>
+            <a:spLocks noGrp="1"/>
+          </p:cNvSpPr>
+          <p:nvPr>
+            <p:ph type="ftr" sz="quarter" idx="11"/>
+          </p:nvPr>
+        </p:nvSpPr>
+        <p:spPr>
+          <a:xfrm>
+            <a:off x="2584054" y="6453386"/>
+            <a:ext cx="7023377" cy="404614"/>
+          </a:xfrm>
+        </p:spPr>
+        <p:txBody>
+          <a:bodyPr/>
+          <a:lstStyle>
+            <a:lvl1pPr algn="ctr">
+              <a:defRPr baseline="0">
+                <a:solidFill>
+                  <a:schemeClr val="tx2"/>
+                </a:solidFill>
+              </a:defRPr>
+            </a:lvl1pPr>
+          </a:lstStyle>
+          <a:p>
+            <a:endParaRPr lang="en-IN"/>
+          </a:p>
+        </p:txBody>
+      </p:sp>
+      <p:sp>
+        <p:nvSpPr>
+          <p:cNvPr id="6" name="Slide Number Placeholder 5"/>
+          <p:cNvSpPr>
+            <a:spLocks noGrp="1"/>
+          </p:cNvSpPr>
+          <p:nvPr>
+            <p:ph type="sldNum" sz="quarter" idx="12"/>
+          </p:nvPr>
+        </p:nvSpPr>
+        <p:spPr>
+          <a:xfrm>
+            <a:off x="9830683" y="6453386"/>
+            <a:ext cx="1596292" cy="404614"/>
+          </a:xfrm>
+        </p:spPr>
+        <p:txBody>
+          <a:bodyPr/>
+          <a:lstStyle>
+            <a:lvl1pPr>
+              <a:defRPr baseline="0">
+                <a:solidFill>
+                  <a:schemeClr val="tx2"/>
+                </a:solidFill>
+              </a:defRPr>
             </a:lvl1pPr>
           </a:lstStyle>
           <a:p>
@@ -568,15 +359,144 @@
           </a:p>
         </p:txBody>
       </p:sp>
+      <p:grpSp>
+        <p:nvGrpSpPr>
+          <p:cNvPr id="7" name="Group 6"/>
+          <p:cNvGrpSpPr/>
+          <p:nvPr/>
+        </p:nvGrpSpPr>
+        <p:grpSpPr>
+          <a:xfrm>
+            <a:off x="752858" y="744469"/>
+            <a:ext cx="10674117" cy="5349671"/>
+            <a:chOff x="752858" y="744469"/>
+            <a:chExt cx="10674117" cy="5349671"/>
+          </a:xfrm>
+        </p:grpSpPr>
+        <p:sp>
+          <p:nvSpPr>
+            <p:cNvPr id="11" name="Freeform 6"/>
+            <p:cNvSpPr/>
+            <p:nvPr/>
+          </p:nvSpPr>
+          <p:spPr bwMode="auto">
+            <a:xfrm>
+              <a:off x="8151962" y="1685652"/>
+              <a:ext cx="3275013" cy="4408488"/>
+            </a:xfrm>
+            <a:custGeom>
+              <a:avLst/>
+              <a:gdLst/>
+              <a:ahLst/>
+              <a:cxnLst/>
+              <a:rect l="l" t="t" r="r" b="b"/>
+              <a:pathLst>
+                <a:path w="10000" h="10000">
+                  <a:moveTo>
+                    <a:pt x="8761" y="0"/>
+                  </a:moveTo>
+                  <a:lnTo>
+                    <a:pt x="10000" y="0"/>
+                  </a:lnTo>
+                  <a:lnTo>
+                    <a:pt x="10000" y="10000"/>
+                  </a:lnTo>
+                  <a:lnTo>
+                    <a:pt x="0" y="10000"/>
+                  </a:lnTo>
+                  <a:lnTo>
+                    <a:pt x="0" y="9126"/>
+                  </a:lnTo>
+                  <a:lnTo>
+                    <a:pt x="8761" y="9127"/>
+                  </a:lnTo>
+                  <a:lnTo>
+                    <a:pt x="8761" y="0"/>
+                  </a:lnTo>
+                  <a:close/>
+                </a:path>
+              </a:pathLst>
+            </a:custGeom>
+            <a:solidFill>
+              <a:schemeClr val="tx2"/>
+            </a:solidFill>
+            <a:ln w="0">
+              <a:noFill/>
+              <a:prstDash val="solid"/>
+              <a:round/>
+              <a:headEnd/>
+              <a:tailEnd/>
+            </a:ln>
+          </p:spPr>
+        </p:sp>
+        <p:sp>
+          <p:nvSpPr>
+            <p:cNvPr id="14" name="Freeform 6"/>
+            <p:cNvSpPr/>
+            <p:nvPr/>
+          </p:nvSpPr>
+          <p:spPr bwMode="auto">
+            <a:xfrm flipH="1" flipV="1">
+              <a:off x="752858" y="744469"/>
+              <a:ext cx="3275668" cy="4408488"/>
+            </a:xfrm>
+            <a:custGeom>
+              <a:avLst/>
+              <a:gdLst/>
+              <a:ahLst/>
+              <a:cxnLst/>
+              <a:rect l="l" t="t" r="r" b="b"/>
+              <a:pathLst>
+                <a:path w="10002" h="10000">
+                  <a:moveTo>
+                    <a:pt x="8763" y="0"/>
+                  </a:moveTo>
+                  <a:lnTo>
+                    <a:pt x="10002" y="0"/>
+                  </a:lnTo>
+                  <a:lnTo>
+                    <a:pt x="10002" y="10000"/>
+                  </a:lnTo>
+                  <a:lnTo>
+                    <a:pt x="2" y="10000"/>
+                  </a:lnTo>
+                  <a:cubicBezTo>
+                    <a:pt x="-2" y="9698"/>
+                    <a:pt x="4" y="9427"/>
+                    <a:pt x="0" y="9125"/>
+                  </a:cubicBezTo>
+                  <a:lnTo>
+                    <a:pt x="8763" y="9128"/>
+                  </a:lnTo>
+                  <a:lnTo>
+                    <a:pt x="8763" y="0"/>
+                  </a:lnTo>
+                  <a:close/>
+                </a:path>
+              </a:pathLst>
+            </a:custGeom>
+            <a:solidFill>
+              <a:schemeClr val="tx2"/>
+            </a:solidFill>
+            <a:ln w="0">
+              <a:noFill/>
+              <a:prstDash val="solid"/>
+              <a:round/>
+              <a:headEnd/>
+              <a:tailEnd/>
+            </a:ln>
+          </p:spPr>
+        </p:sp>
+      </p:grpSp>
     </p:spTree>
     <p:extLst>
       <p:ext uri="{BB962C8B-B14F-4D97-AF65-F5344CB8AC3E}">
-        <p14:creationId xmlns:p14="http://schemas.microsoft.com/office/powerpoint/2010/main" val="3204253062"/>
+        <p14:creationId xmlns:p14="http://schemas.microsoft.com/office/powerpoint/2010/main" val="3638133734"/>
       </p:ext>
     </p:extLst>
   </p:cSld>
   <p:clrMapOvr>
-    <a:masterClrMapping/>
+    <a:overrideClrMapping bg1="lt1" tx1="dk1" bg2="lt2" tx2="dk2" accent1="accent1" accent2="accent2" accent3="accent3" accent4="accent4" accent5="accent5" accent6="accent6" hlink="hlink" folHlink="folHlink"/>
   </p:clrMapOvr>
   <p:extLst>
     <p:ext uri="{DCECCB84-F9BA-43D5-87BE-67443E8EF086}">
@@ -636,7 +556,12 @@
             <p:ph type="body" orient="vert" idx="1"/>
           </p:nvPr>
         </p:nvSpPr>
-        <p:spPr/>
+        <p:spPr>
+          <a:xfrm>
+            <a:off x="1371600" y="2295525"/>
+            <a:ext cx="9601200" cy="3571875"/>
+          </a:xfrm>
+        </p:spPr>
         <p:txBody>
           <a:bodyPr vert="eaVert"/>
           <a:lstStyle/>
@@ -695,7 +620,7 @@
           <a:p>
             <a:fld id="{76E42EAE-A2C4-49F9-84E9-DCB4B2CCF06C}" type="datetimeFigureOut">
               <a:rPr lang="en-IN" smtClean="0"/>
-              <a:t>12-11-2019</a:t>
+              <a:t>16-11-2019</a:t>
             </a:fld>
             <a:endParaRPr lang="en-IN"/>
           </a:p>
@@ -746,7 +671,7 @@
     </p:spTree>
     <p:extLst>
       <p:ext uri="{BB962C8B-B14F-4D97-AF65-F5344CB8AC3E}">
-        <p14:creationId xmlns:p14="http://schemas.microsoft.com/office/powerpoint/2010/main" val="1773361514"/>
+        <p14:creationId xmlns:p14="http://schemas.microsoft.com/office/powerpoint/2010/main" val="4049753150"/>
       </p:ext>
     </p:extLst>
   </p:cSld>
@@ -785,8 +710,8 @@
         </p:nvSpPr>
         <p:spPr>
           <a:xfrm>
-            <a:off x="8724900" y="533400"/>
-            <a:ext cx="2552700" cy="5638800"/>
+            <a:off x="9596561" y="624156"/>
+            <a:ext cx="1565766" cy="5243244"/>
           </a:xfrm>
         </p:spPr>
         <p:txBody>
@@ -813,8 +738,8 @@
         </p:nvSpPr>
         <p:spPr>
           <a:xfrm>
-            <a:off x="1066800" y="533400"/>
-            <a:ext cx="7505700" cy="5638800"/>
+            <a:off x="1371600" y="624156"/>
+            <a:ext cx="8179641" cy="5243244"/>
           </a:xfrm>
         </p:spPr>
         <p:txBody>
@@ -875,7 +800,7 @@
           <a:p>
             <a:fld id="{76E42EAE-A2C4-49F9-84E9-DCB4B2CCF06C}" type="datetimeFigureOut">
               <a:rPr lang="en-IN" smtClean="0"/>
-              <a:t>12-11-2019</a:t>
+              <a:t>16-11-2019</a:t>
             </a:fld>
             <a:endParaRPr lang="en-IN"/>
           </a:p>
@@ -926,7 +851,7 @@
     </p:spTree>
     <p:extLst>
       <p:ext uri="{BB962C8B-B14F-4D97-AF65-F5344CB8AC3E}">
-        <p14:creationId xmlns:p14="http://schemas.microsoft.com/office/powerpoint/2010/main" val="699479763"/>
+        <p14:creationId xmlns:p14="http://schemas.microsoft.com/office/powerpoint/2010/main" val="2074792694"/>
       </p:ext>
     </p:extLst>
   </p:cSld>
@@ -1050,7 +975,7 @@
           <a:p>
             <a:fld id="{76E42EAE-A2C4-49F9-84E9-DCB4B2CCF06C}" type="datetimeFigureOut">
               <a:rPr lang="en-IN" smtClean="0"/>
-              <a:t>12-11-2019</a:t>
+              <a:t>16-11-2019</a:t>
             </a:fld>
             <a:endParaRPr lang="en-IN"/>
           </a:p>
@@ -1101,7 +1026,7 @@
     </p:spTree>
     <p:extLst>
       <p:ext uri="{BB962C8B-B14F-4D97-AF65-F5344CB8AC3E}">
-        <p14:creationId xmlns:p14="http://schemas.microsoft.com/office/powerpoint/2010/main" val="3061802034"/>
+        <p14:creationId xmlns:p14="http://schemas.microsoft.com/office/powerpoint/2010/main" val="3564635968"/>
       </p:ext>
     </p:extLst>
   </p:cSld>
@@ -1114,6 +1039,11 @@
 <file path=ppt/slideLayouts/slideLayout3.xml><?xml version="1.0" encoding="utf-8"?>
 <p:sldLayout xmlns:a="http://schemas.openxmlformats.org/drawingml/2006/main" xmlns:r="http://schemas.openxmlformats.org/officeDocument/2006/relationships" xmlns:p="http://schemas.openxmlformats.org/presentationml/2006/main" showMasterSp="0" type="secHead" preserve="1">
   <p:cSld name="Section Header">
+    <p:bg>
+      <p:bgRef idx="1001">
+        <a:schemeClr val="bg2"/>
+      </p:bgRef>
+    </p:bg>
     <p:spTree>
       <p:nvGrpSpPr>
         <p:cNvPr id="1" name=""/>
@@ -1130,63 +1060,6 @@
       </p:grpSpPr>
       <p:sp>
         <p:nvSpPr>
-          <p:cNvPr id="7" name="Rectangle 6"/>
-          <p:cNvSpPr/>
-          <p:nvPr/>
-        </p:nvSpPr>
-        <p:spPr>
-          <a:xfrm>
-            <a:off x="0" y="4917989"/>
-            <a:ext cx="12192000" cy="1940010"/>
-          </a:xfrm>
-          <a:prstGeom prst="rect">
-            <a:avLst/>
-          </a:prstGeom>
-          <a:blipFill dpi="0" rotWithShape="1">
-            <a:blip r:embed="rId2">
-              <a:alphaModFix amt="85000"/>
-              <a:lum bright="70000" contrast="-70000"/>
-              <a:extLst>
-                <a:ext uri="{BEBA8EAE-BF5A-486C-A8C5-ECC9F3942E4B}">
-                  <a14:imgProps xmlns:a14="http://schemas.microsoft.com/office/drawing/2010/main">
-                    <a14:imgLayer r:embed="rId3">
-                      <a14:imgEffect>
-                        <a14:sharpenSoften amount="61000"/>
-                      </a14:imgEffect>
-                    </a14:imgLayer>
-                  </a14:imgProps>
-                </a:ext>
-                <a:ext uri="{28A0092B-C50C-407E-A947-70E740481C1C}">
-                  <a14:useLocalDpi xmlns:a14="http://schemas.microsoft.com/office/drawing/2010/main" val="0"/>
-                </a:ext>
-              </a:extLst>
-            </a:blip>
-            <a:srcRect/>
-            <a:tile tx="0" ty="-704850" sx="92000" sy="89000" flip="xy" algn="ctr"/>
-          </a:blipFill>
-          <a:ln>
-            <a:noFill/>
-          </a:ln>
-        </p:spPr>
-        <p:style>
-          <a:lnRef idx="2">
-            <a:schemeClr val="accent1">
-              <a:shade val="50000"/>
-            </a:schemeClr>
-          </a:lnRef>
-          <a:fillRef idx="1">
-            <a:schemeClr val="accent1"/>
-          </a:fillRef>
-          <a:effectRef idx="0">
-            <a:schemeClr val="accent1"/>
-          </a:effectRef>
-          <a:fontRef idx="minor">
-            <a:schemeClr val="lt1"/>
-          </a:fontRef>
-        </p:style>
-      </p:sp>
-      <p:sp>
-        <p:nvSpPr>
           <p:cNvPr id="2" name="Title 1"/>
           <p:cNvSpPr>
             <a:spLocks noGrp="1"/>
@@ -1197,20 +1070,21 @@
         </p:nvSpPr>
         <p:spPr>
           <a:xfrm>
-            <a:off x="2167128" y="1225296"/>
-            <a:ext cx="9281160" cy="3520440"/>
-          </a:xfrm>
-        </p:spPr>
-        <p:txBody>
-          <a:bodyPr anchor="ctr">
+            <a:off x="765025" y="1301360"/>
+            <a:ext cx="9612971" cy="2852737"/>
+          </a:xfrm>
+        </p:spPr>
+        <p:txBody>
+          <a:bodyPr anchor="b">
             <a:normAutofit/>
           </a:bodyPr>
           <a:lstStyle>
-            <a:lvl1pPr>
-              <a:lnSpc>
-                <a:spcPct val="80000"/>
-              </a:lnSpc>
-              <a:defRPr sz="8000" b="0"/>
+            <a:lvl1pPr algn="r">
+              <a:defRPr sz="7200" cap="all" baseline="0">
+                <a:solidFill>
+                  <a:schemeClr val="tx2"/>
+                </a:solidFill>
+              </a:defRPr>
             </a:lvl1pPr>
           </a:lstStyle>
           <a:p>
@@ -1234,26 +1108,33 @@
         </p:nvSpPr>
         <p:spPr>
           <a:xfrm>
-            <a:off x="2165774" y="5020056"/>
-            <a:ext cx="9052560" cy="1066800"/>
-          </a:xfrm>
-        </p:spPr>
-        <p:txBody>
-          <a:bodyPr anchor="t">
-            <a:normAutofit/>
-          </a:bodyPr>
+            <a:off x="765025" y="4216328"/>
+            <a:ext cx="9612971" cy="1143324"/>
+          </a:xfrm>
+        </p:spPr>
+        <p:txBody>
+          <a:bodyPr/>
           <a:lstStyle>
-            <a:lvl1pPr marL="0" indent="0">
-              <a:buNone/>
-              <a:defRPr sz="2000">
-                <a:solidFill>
-                  <a:schemeClr val="tx1"/>
+            <a:lvl1pPr marL="0" indent="0" algn="r">
+              <a:lnSpc>
+                <a:spcPct val="112000"/>
+              </a:lnSpc>
+              <a:spcBef>
+                <a:spcPts val="0"/>
+              </a:spcBef>
+              <a:spcAft>
+                <a:spcPts val="0"/>
+              </a:spcAft>
+              <a:buNone/>
+              <a:defRPr sz="2400">
+                <a:solidFill>
+                  <a:schemeClr val="tx2"/>
                 </a:solidFill>
               </a:defRPr>
             </a:lvl1pPr>
             <a:lvl2pPr marL="457200" indent="0">
               <a:buNone/>
-              <a:defRPr sz="1800">
+              <a:defRPr sz="2000">
                 <a:solidFill>
                   <a:schemeClr val="tx1">
                     <a:tint val="75000"/>
@@ -1263,7 +1144,7 @@
             </a:lvl2pPr>
             <a:lvl3pPr marL="914400" indent="0">
               <a:buNone/>
-              <a:defRPr sz="1600">
+              <a:defRPr sz="1800">
                 <a:solidFill>
                   <a:schemeClr val="tx1">
                     <a:tint val="75000"/>
@@ -1273,7 +1154,7 @@
             </a:lvl3pPr>
             <a:lvl4pPr marL="1371600" indent="0">
               <a:buNone/>
-              <a:defRPr sz="1400">
+              <a:defRPr sz="1600">
                 <a:solidFill>
                   <a:schemeClr val="tx1">
                     <a:tint val="75000"/>
@@ -1283,7 +1164,7 @@
             </a:lvl4pPr>
             <a:lvl5pPr marL="1828800" indent="0">
               <a:buNone/>
-              <a:defRPr sz="1400">
+              <a:defRPr sz="1600">
                 <a:solidFill>
                   <a:schemeClr val="tx1">
                     <a:tint val="75000"/>
@@ -1293,7 +1174,7 @@
             </a:lvl5pPr>
             <a:lvl6pPr marL="2286000" indent="0">
               <a:buNone/>
-              <a:defRPr sz="1400">
+              <a:defRPr sz="1600">
                 <a:solidFill>
                   <a:schemeClr val="tx1">
                     <a:tint val="75000"/>
@@ -1303,7 +1184,7 @@
             </a:lvl6pPr>
             <a:lvl7pPr marL="2743200" indent="0">
               <a:buNone/>
-              <a:defRPr sz="1400">
+              <a:defRPr sz="1600">
                 <a:solidFill>
                   <a:schemeClr val="tx1">
                     <a:tint val="75000"/>
@@ -1313,7 +1194,7 @@
             </a:lvl7pPr>
             <a:lvl8pPr marL="3200400" indent="0">
               <a:buNone/>
-              <a:defRPr sz="1400">
+              <a:defRPr sz="1600">
                 <a:solidFill>
                   <a:schemeClr val="tx1">
                     <a:tint val="75000"/>
@@ -1323,7 +1204,7 @@
             </a:lvl8pPr>
             <a:lvl9pPr marL="3657600" indent="0">
               <a:buNone/>
-              <a:defRPr sz="1400">
+              <a:defRPr sz="1600">
                 <a:solidFill>
                   <a:schemeClr val="tx1">
                     <a:tint val="75000"/>
@@ -1353,151 +1234,87 @@
         </p:nvSpPr>
         <p:spPr>
           <a:xfrm>
-            <a:off x="8593667" y="6272784"/>
-            <a:ext cx="2644309" cy="365125"/>
-          </a:xfrm>
-        </p:spPr>
-        <p:txBody>
-          <a:bodyPr/>
-          <a:lstStyle/>
-          <a:p>
-            <a:fld id="{76E42EAE-A2C4-49F9-84E9-DCB4B2CCF06C}" type="datetimeFigureOut">
-              <a:rPr lang="en-IN" smtClean="0"/>
-              <a:t>12-11-2019</a:t>
-            </a:fld>
-            <a:endParaRPr lang="en-IN"/>
-          </a:p>
-        </p:txBody>
-      </p:sp>
-      <p:sp>
-        <p:nvSpPr>
-          <p:cNvPr id="5" name="Footer Placeholder 4"/>
-          <p:cNvSpPr>
-            <a:spLocks noGrp="1"/>
-          </p:cNvSpPr>
-          <p:nvPr>
-            <p:ph type="ftr" sz="quarter" idx="11"/>
-          </p:nvPr>
-        </p:nvSpPr>
-        <p:spPr>
-          <a:xfrm>
-            <a:off x="2182708" y="6272784"/>
-            <a:ext cx="6327648" cy="365125"/>
-          </a:xfrm>
-        </p:spPr>
-        <p:txBody>
-          <a:bodyPr/>
-          <a:lstStyle/>
-          <a:p>
-            <a:endParaRPr lang="en-IN"/>
-          </a:p>
-        </p:txBody>
-      </p:sp>
-      <p:grpSp>
-        <p:nvGrpSpPr>
-          <p:cNvPr id="8" name="Group 7"/>
-          <p:cNvGrpSpPr/>
-          <p:nvPr/>
-        </p:nvGrpSpPr>
-        <p:grpSpPr>
-          <a:xfrm>
-            <a:off x="897399" y="2325848"/>
-            <a:ext cx="1080904" cy="1080902"/>
-            <a:chOff x="9685338" y="4460675"/>
-            <a:chExt cx="1080904" cy="1080902"/>
-          </a:xfrm>
-        </p:grpSpPr>
-        <p:sp>
-          <p:nvSpPr>
-            <p:cNvPr id="9" name="Oval 8"/>
-            <p:cNvSpPr/>
-            <p:nvPr/>
-          </p:nvSpPr>
-          <p:spPr>
-            <a:xfrm>
-              <a:off x="9685338" y="4460675"/>
-              <a:ext cx="1080904" cy="1080902"/>
-            </a:xfrm>
-            <a:prstGeom prst="ellipse">
-              <a:avLst/>
-            </a:prstGeom>
-            <a:blipFill dpi="0" rotWithShape="1">
-              <a:blip r:embed="rId4">
-                <a:duotone>
-                  <a:schemeClr val="accent1">
-                    <a:shade val="45000"/>
-                    <a:satMod val="135000"/>
-                  </a:schemeClr>
-                  <a:prstClr val="white"/>
-                </a:duotone>
-                <a:extLst>
-                  <a:ext uri="{BEBA8EAE-BF5A-486C-A8C5-ECC9F3942E4B}">
-                    <a14:imgProps xmlns:a14="http://schemas.microsoft.com/office/drawing/2010/main">
-                      <a14:imgLayer r:embed="rId5">
-                        <a14:imgEffect>
-                          <a14:saturation sat="95000"/>
-                        </a14:imgEffect>
-                      </a14:imgLayer>
-                    </a14:imgProps>
-                  </a:ext>
-                </a:extLst>
-              </a:blip>
-              <a:srcRect/>
-              <a:tile tx="0" ty="0" sx="85000" sy="85000" flip="none" algn="tl"/>
-            </a:blipFill>
-            <a:ln w="25400" cap="flat" cmpd="sng" algn="ctr">
-              <a:noFill/>
-              <a:prstDash val="solid"/>
-            </a:ln>
-            <a:effectLst/>
-          </p:spPr>
-        </p:sp>
-        <p:sp>
-          <p:nvSpPr>
-            <p:cNvPr id="10" name="Oval 9"/>
-            <p:cNvSpPr/>
-            <p:nvPr/>
-          </p:nvSpPr>
-          <p:spPr>
-            <a:xfrm>
-              <a:off x="9793429" y="4568765"/>
-              <a:ext cx="864723" cy="864722"/>
-            </a:xfrm>
-            <a:prstGeom prst="ellipse">
-              <a:avLst/>
-            </a:prstGeom>
-            <a:noFill/>
-            <a:ln w="25400" cap="flat" cmpd="sng" algn="ctr">
-              <a:solidFill>
-                <a:sysClr val="window" lastClr="FFFFFF"/>
-              </a:solidFill>
-              <a:prstDash val="solid"/>
-            </a:ln>
-            <a:effectLst/>
-          </p:spPr>
-        </p:sp>
-      </p:grpSp>
-      <p:sp>
-        <p:nvSpPr>
-          <p:cNvPr id="6" name="Slide Number Placeholder 5"/>
-          <p:cNvSpPr>
-            <a:spLocks noGrp="1"/>
-          </p:cNvSpPr>
-          <p:nvPr>
-            <p:ph type="sldNum" sz="quarter" idx="12"/>
-          </p:nvPr>
-        </p:nvSpPr>
-        <p:spPr>
-          <a:xfrm>
-            <a:off x="843702" y="2506133"/>
-            <a:ext cx="1188298" cy="720332"/>
+            <a:off x="738908" y="6453386"/>
+            <a:ext cx="1622409" cy="404614"/>
           </a:xfrm>
         </p:spPr>
         <p:txBody>
           <a:bodyPr/>
           <a:lstStyle>
             <a:lvl1pPr>
-              <a:defRPr sz="2800"/>
+              <a:defRPr>
+                <a:solidFill>
+                  <a:schemeClr val="tx2"/>
+                </a:solidFill>
+              </a:defRPr>
+            </a:lvl1pPr>
+          </a:lstStyle>
+          <a:p>
+            <a:fld id="{76E42EAE-A2C4-49F9-84E9-DCB4B2CCF06C}" type="datetimeFigureOut">
+              <a:rPr lang="en-IN" smtClean="0"/>
+              <a:t>16-11-2019</a:t>
+            </a:fld>
+            <a:endParaRPr lang="en-IN"/>
+          </a:p>
+        </p:txBody>
+      </p:sp>
+      <p:sp>
+        <p:nvSpPr>
+          <p:cNvPr id="5" name="Footer Placeholder 4"/>
+          <p:cNvSpPr>
+            <a:spLocks noGrp="1"/>
+          </p:cNvSpPr>
+          <p:nvPr>
+            <p:ph type="ftr" sz="quarter" idx="11"/>
+          </p:nvPr>
+        </p:nvSpPr>
+        <p:spPr>
+          <a:xfrm>
+            <a:off x="2584312" y="6453386"/>
+            <a:ext cx="7023377" cy="404614"/>
+          </a:xfrm>
+        </p:spPr>
+        <p:txBody>
+          <a:bodyPr/>
+          <a:lstStyle>
+            <a:lvl1pPr algn="ctr">
+              <a:defRPr>
+                <a:solidFill>
+                  <a:schemeClr val="tx2"/>
+                </a:solidFill>
+              </a:defRPr>
+            </a:lvl1pPr>
+          </a:lstStyle>
+          <a:p>
+            <a:endParaRPr lang="en-IN"/>
+          </a:p>
+        </p:txBody>
+      </p:sp>
+      <p:sp>
+        <p:nvSpPr>
+          <p:cNvPr id="6" name="Slide Number Placeholder 5"/>
+          <p:cNvSpPr>
+            <a:spLocks noGrp="1"/>
+          </p:cNvSpPr>
+          <p:nvPr>
+            <p:ph type="sldNum" sz="quarter" idx="12"/>
+          </p:nvPr>
+        </p:nvSpPr>
+        <p:spPr>
+          <a:xfrm>
+            <a:off x="9830683" y="6453386"/>
+            <a:ext cx="1596292" cy="404614"/>
+          </a:xfrm>
+        </p:spPr>
+        <p:txBody>
+          <a:bodyPr/>
+          <a:lstStyle>
+            <a:lvl1pPr>
+              <a:defRPr>
+                <a:solidFill>
+                  <a:schemeClr val="tx2"/>
+                </a:solidFill>
+              </a:defRPr>
             </a:lvl1pPr>
           </a:lstStyle>
           <a:p>
@@ -1509,15 +1326,71 @@
           </a:p>
         </p:txBody>
       </p:sp>
+      <p:sp>
+        <p:nvSpPr>
+          <p:cNvPr id="7" name="Freeform 6" title="Crop Mark"/>
+          <p:cNvSpPr/>
+          <p:nvPr/>
+        </p:nvSpPr>
+        <p:spPr bwMode="auto">
+          <a:xfrm>
+            <a:off x="8151962" y="1685652"/>
+            <a:ext cx="3275013" cy="4408488"/>
+          </a:xfrm>
+          <a:custGeom>
+            <a:avLst/>
+            <a:gdLst/>
+            <a:ahLst/>
+            <a:cxnLst/>
+            <a:rect l="0" t="0" r="r" b="b"/>
+            <a:pathLst>
+              <a:path w="4125" h="5554">
+                <a:moveTo>
+                  <a:pt x="3614" y="0"/>
+                </a:moveTo>
+                <a:lnTo>
+                  <a:pt x="4125" y="0"/>
+                </a:lnTo>
+                <a:lnTo>
+                  <a:pt x="4125" y="5554"/>
+                </a:lnTo>
+                <a:lnTo>
+                  <a:pt x="0" y="5554"/>
+                </a:lnTo>
+                <a:lnTo>
+                  <a:pt x="0" y="5074"/>
+                </a:lnTo>
+                <a:lnTo>
+                  <a:pt x="3614" y="5074"/>
+                </a:lnTo>
+                <a:lnTo>
+                  <a:pt x="3614" y="0"/>
+                </a:lnTo>
+                <a:close/>
+              </a:path>
+            </a:pathLst>
+          </a:custGeom>
+          <a:solidFill>
+            <a:schemeClr val="tx2"/>
+          </a:solidFill>
+          <a:ln w="0">
+            <a:noFill/>
+            <a:prstDash val="solid"/>
+            <a:round/>
+            <a:headEnd/>
+            <a:tailEnd/>
+          </a:ln>
+        </p:spPr>
+      </p:sp>
     </p:spTree>
     <p:extLst>
       <p:ext uri="{BB962C8B-B14F-4D97-AF65-F5344CB8AC3E}">
-        <p14:creationId xmlns:p14="http://schemas.microsoft.com/office/powerpoint/2010/main" val="962053282"/>
+        <p14:creationId xmlns:p14="http://schemas.microsoft.com/office/powerpoint/2010/main" val="3883585871"/>
       </p:ext>
     </p:extLst>
   </p:cSld>
   <p:clrMapOvr>
-    <a:masterClrMapping/>
+    <a:overrideClrMapping bg1="dk1" tx1="lt1" bg2="dk2" tx2="lt2" accent1="accent1" accent2="accent2" accent3="accent3" accent4="accent4" accent5="accent5" accent6="accent6" hlink="hlink" folHlink="folHlink"/>
   </p:clrMapOvr>
   <p:extLst>
     <p:ext uri="{DCECCB84-F9BA-43D5-87BE-67443E8EF086}">
@@ -1557,7 +1430,15 @@
         <p:spPr/>
         <p:txBody>
           <a:bodyPr/>
-          <a:lstStyle/>
+          <a:lstStyle>
+            <a:lvl1pPr>
+              <a:defRPr>
+                <a:solidFill>
+                  <a:schemeClr val="tx2"/>
+                </a:solidFill>
+              </a:defRPr>
+            </a:lvl1pPr>
+          </a:lstStyle>
           <a:p>
             <a:r>
               <a:rPr lang="en-US"/>
@@ -1579,40 +1460,48 @@
         </p:nvSpPr>
         <p:spPr>
           <a:xfrm>
-            <a:off x="1069848" y="2194560"/>
-            <a:ext cx="4754880" cy="3977640"/>
+            <a:off x="1371600" y="2285999"/>
+            <a:ext cx="4447786" cy="3581401"/>
           </a:xfrm>
         </p:spPr>
         <p:txBody>
           <a:bodyPr/>
           <a:lstStyle>
             <a:lvl1pPr>
-              <a:defRPr sz="2000"/>
+              <a:defRPr baseline="0">
+                <a:solidFill>
+                  <a:schemeClr val="tx2"/>
+                </a:solidFill>
+              </a:defRPr>
             </a:lvl1pPr>
             <a:lvl2pPr>
-              <a:defRPr sz="1800"/>
+              <a:defRPr baseline="0">
+                <a:solidFill>
+                  <a:schemeClr val="tx2"/>
+                </a:solidFill>
+              </a:defRPr>
             </a:lvl2pPr>
             <a:lvl3pPr>
-              <a:defRPr sz="1600"/>
+              <a:defRPr baseline="0">
+                <a:solidFill>
+                  <a:schemeClr val="tx2"/>
+                </a:solidFill>
+              </a:defRPr>
             </a:lvl3pPr>
             <a:lvl4pPr>
-              <a:defRPr sz="1600"/>
+              <a:defRPr baseline="0">
+                <a:solidFill>
+                  <a:schemeClr val="tx2"/>
+                </a:solidFill>
+              </a:defRPr>
             </a:lvl4pPr>
             <a:lvl5pPr>
-              <a:defRPr sz="1600"/>
+              <a:defRPr baseline="0">
+                <a:solidFill>
+                  <a:schemeClr val="tx2"/>
+                </a:solidFill>
+              </a:defRPr>
             </a:lvl5pPr>
-            <a:lvl6pPr>
-              <a:defRPr sz="1600"/>
-            </a:lvl6pPr>
-            <a:lvl7pPr>
-              <a:defRPr sz="1600"/>
-            </a:lvl7pPr>
-            <a:lvl8pPr>
-              <a:defRPr sz="1600"/>
-            </a:lvl8pPr>
-            <a:lvl9pPr>
-              <a:defRPr sz="1600"/>
-            </a:lvl9pPr>
           </a:lstStyle>
           <a:p>
             <a:pPr lvl="0"/>
@@ -1664,40 +1553,48 @@
         </p:nvSpPr>
         <p:spPr>
           <a:xfrm>
-            <a:off x="6364224" y="2194560"/>
-            <a:ext cx="4754880" cy="3977640"/>
+            <a:off x="6525403" y="2285999"/>
+            <a:ext cx="4447786" cy="3581401"/>
           </a:xfrm>
         </p:spPr>
         <p:txBody>
           <a:bodyPr/>
           <a:lstStyle>
             <a:lvl1pPr>
-              <a:defRPr sz="2000"/>
+              <a:defRPr>
+                <a:solidFill>
+                  <a:schemeClr val="tx2"/>
+                </a:solidFill>
+              </a:defRPr>
             </a:lvl1pPr>
             <a:lvl2pPr>
-              <a:defRPr sz="1800"/>
+              <a:defRPr>
+                <a:solidFill>
+                  <a:schemeClr val="tx2"/>
+                </a:solidFill>
+              </a:defRPr>
             </a:lvl2pPr>
             <a:lvl3pPr>
-              <a:defRPr sz="1600"/>
+              <a:defRPr>
+                <a:solidFill>
+                  <a:schemeClr val="tx2"/>
+                </a:solidFill>
+              </a:defRPr>
             </a:lvl3pPr>
             <a:lvl4pPr>
-              <a:defRPr sz="1600"/>
+              <a:defRPr>
+                <a:solidFill>
+                  <a:schemeClr val="tx2"/>
+                </a:solidFill>
+              </a:defRPr>
             </a:lvl4pPr>
             <a:lvl5pPr>
-              <a:defRPr sz="1600"/>
+              <a:defRPr>
+                <a:solidFill>
+                  <a:schemeClr val="tx2"/>
+                </a:solidFill>
+              </a:defRPr>
             </a:lvl5pPr>
-            <a:lvl6pPr>
-              <a:defRPr sz="1600"/>
-            </a:lvl6pPr>
-            <a:lvl7pPr>
-              <a:defRPr sz="1600"/>
-            </a:lvl7pPr>
-            <a:lvl8pPr>
-              <a:defRPr sz="1600"/>
-            </a:lvl8pPr>
-            <a:lvl9pPr>
-              <a:defRPr sz="1600"/>
-            </a:lvl9pPr>
           </a:lstStyle>
           <a:p>
             <a:pPr lvl="0"/>
@@ -1754,7 +1651,7 @@
           <a:p>
             <a:fld id="{76E42EAE-A2C4-49F9-84E9-DCB4B2CCF06C}" type="datetimeFigureOut">
               <a:rPr lang="en-IN" smtClean="0"/>
-              <a:t>12-11-2019</a:t>
+              <a:t>16-11-2019</a:t>
             </a:fld>
             <a:endParaRPr lang="en-IN"/>
           </a:p>
@@ -1805,7 +1702,7 @@
     </p:spTree>
     <p:extLst>
       <p:ext uri="{BB962C8B-B14F-4D97-AF65-F5344CB8AC3E}">
-        <p14:creationId xmlns:p14="http://schemas.microsoft.com/office/powerpoint/2010/main" val="3521986185"/>
+        <p14:creationId xmlns:p14="http://schemas.microsoft.com/office/powerpoint/2010/main" val="1770819014"/>
       </p:ext>
     </p:extLst>
   </p:cSld>
@@ -1834,7 +1731,7 @@
       </p:grpSpPr>
       <p:sp>
         <p:nvSpPr>
-          <p:cNvPr id="10" name="Title 9"/>
+          <p:cNvPr id="2" name="Title 1"/>
           <p:cNvSpPr>
             <a:spLocks noGrp="1"/>
           </p:cNvSpPr>
@@ -1842,10 +1739,23 @@
             <p:ph type="title"/>
           </p:nvPr>
         </p:nvSpPr>
-        <p:spPr/>
+        <p:spPr>
+          <a:xfrm>
+            <a:off x="1371600" y="685800"/>
+            <a:ext cx="9601200" cy="1485900"/>
+          </a:xfrm>
+        </p:spPr>
         <p:txBody>
           <a:bodyPr/>
-          <a:lstStyle/>
+          <a:lstStyle>
+            <a:lvl1pPr>
+              <a:defRPr>
+                <a:solidFill>
+                  <a:schemeClr val="tx2"/>
+                </a:solidFill>
+              </a:defRPr>
+            </a:lvl1pPr>
+          </a:lstStyle>
           <a:p>
             <a:r>
               <a:rPr lang="en-US"/>
@@ -1867,22 +1777,29 @@
         </p:nvSpPr>
         <p:spPr>
           <a:xfrm>
-            <a:off x="1066800" y="2048256"/>
-            <a:ext cx="4754880" cy="640080"/>
-          </a:xfrm>
-        </p:spPr>
-        <p:txBody>
-          <a:bodyPr anchor="ctr">
-            <a:normAutofit/>
+            <a:off x="1371600" y="2340864"/>
+            <a:ext cx="4443984" cy="823912"/>
+          </a:xfrm>
+        </p:spPr>
+        <p:txBody>
+          <a:bodyPr anchor="b">
+            <a:noAutofit/>
           </a:bodyPr>
           <a:lstStyle>
             <a:lvl1pPr marL="0" indent="0">
-              <a:buNone/>
-              <a:defRPr sz="2000" b="1">
-                <a:solidFill>
-                  <a:schemeClr val="accent1">
-                    <a:lumMod val="75000"/>
-                  </a:schemeClr>
+              <a:lnSpc>
+                <a:spcPct val="84000"/>
+              </a:lnSpc>
+              <a:spcBef>
+                <a:spcPts val="0"/>
+              </a:spcBef>
+              <a:spcAft>
+                <a:spcPts val="0"/>
+              </a:spcAft>
+              <a:buNone/>
+              <a:defRPr sz="3000" b="0" baseline="0">
+                <a:solidFill>
+                  <a:schemeClr val="tx2"/>
                 </a:solidFill>
               </a:defRPr>
             </a:lvl1pPr>
@@ -1940,40 +1857,48 @@
         </p:nvSpPr>
         <p:spPr>
           <a:xfrm>
-            <a:off x="1069848" y="2743200"/>
-            <a:ext cx="4754880" cy="3291840"/>
+            <a:off x="1371600" y="3305207"/>
+            <a:ext cx="4443984" cy="2562193"/>
           </a:xfrm>
         </p:spPr>
         <p:txBody>
           <a:bodyPr/>
           <a:lstStyle>
             <a:lvl1pPr>
-              <a:defRPr sz="2000"/>
+              <a:defRPr baseline="0">
+                <a:solidFill>
+                  <a:schemeClr val="tx2"/>
+                </a:solidFill>
+              </a:defRPr>
             </a:lvl1pPr>
             <a:lvl2pPr>
-              <a:defRPr sz="1800"/>
+              <a:defRPr baseline="0">
+                <a:solidFill>
+                  <a:schemeClr val="tx2"/>
+                </a:solidFill>
+              </a:defRPr>
             </a:lvl2pPr>
             <a:lvl3pPr>
-              <a:defRPr sz="1600"/>
+              <a:defRPr baseline="0">
+                <a:solidFill>
+                  <a:schemeClr val="tx2"/>
+                </a:solidFill>
+              </a:defRPr>
             </a:lvl3pPr>
             <a:lvl4pPr>
-              <a:defRPr sz="1600"/>
+              <a:defRPr baseline="0">
+                <a:solidFill>
+                  <a:schemeClr val="tx2"/>
+                </a:solidFill>
+              </a:defRPr>
             </a:lvl4pPr>
             <a:lvl5pPr>
-              <a:defRPr sz="1600"/>
+              <a:defRPr baseline="0">
+                <a:solidFill>
+                  <a:schemeClr val="tx2"/>
+                </a:solidFill>
+              </a:defRPr>
             </a:lvl5pPr>
-            <a:lvl6pPr>
-              <a:defRPr sz="1600"/>
-            </a:lvl6pPr>
-            <a:lvl7pPr>
-              <a:defRPr sz="1600"/>
-            </a:lvl7pPr>
-            <a:lvl8pPr>
-              <a:defRPr sz="1600"/>
-            </a:lvl8pPr>
-            <a:lvl9pPr>
-              <a:defRPr sz="1600"/>
-            </a:lvl9pPr>
           </a:lstStyle>
           <a:p>
             <a:pPr lvl="0"/>
@@ -2025,22 +1950,29 @@
         </p:nvSpPr>
         <p:spPr>
           <a:xfrm>
-            <a:off x="6364224" y="2048256"/>
-            <a:ext cx="4754880" cy="640080"/>
-          </a:xfrm>
-        </p:spPr>
-        <p:txBody>
-          <a:bodyPr anchor="ctr">
-            <a:normAutofit/>
+            <a:off x="6525014" y="2340864"/>
+            <a:ext cx="4443984" cy="823912"/>
+          </a:xfrm>
+        </p:spPr>
+        <p:txBody>
+          <a:bodyPr anchor="b">
+            <a:noAutofit/>
           </a:bodyPr>
           <a:lstStyle>
             <a:lvl1pPr marL="0" indent="0">
-              <a:buNone/>
-              <a:defRPr sz="2000" b="1">
-                <a:solidFill>
-                  <a:schemeClr val="accent1">
-                    <a:lumMod val="75000"/>
-                  </a:schemeClr>
+              <a:lnSpc>
+                <a:spcPct val="84000"/>
+              </a:lnSpc>
+              <a:spcBef>
+                <a:spcPts val="0"/>
+              </a:spcBef>
+              <a:spcAft>
+                <a:spcPts val="0"/>
+              </a:spcAft>
+              <a:buNone/>
+              <a:defRPr sz="3000" b="0" baseline="0">
+                <a:solidFill>
+                  <a:schemeClr val="tx2"/>
                 </a:solidFill>
               </a:defRPr>
             </a:lvl1pPr>
@@ -2098,40 +2030,48 @@
         </p:nvSpPr>
         <p:spPr>
           <a:xfrm>
-            <a:off x="6364224" y="2743200"/>
-            <a:ext cx="4754880" cy="3291840"/>
+            <a:off x="6525014" y="3305207"/>
+            <a:ext cx="4443984" cy="2562193"/>
           </a:xfrm>
         </p:spPr>
         <p:txBody>
           <a:bodyPr/>
           <a:lstStyle>
             <a:lvl1pPr>
-              <a:defRPr sz="2000"/>
+              <a:defRPr baseline="0">
+                <a:solidFill>
+                  <a:schemeClr val="tx2"/>
+                </a:solidFill>
+              </a:defRPr>
             </a:lvl1pPr>
             <a:lvl2pPr>
-              <a:defRPr sz="1800"/>
+              <a:defRPr baseline="0">
+                <a:solidFill>
+                  <a:schemeClr val="tx2"/>
+                </a:solidFill>
+              </a:defRPr>
             </a:lvl2pPr>
             <a:lvl3pPr>
-              <a:defRPr sz="1600"/>
+              <a:defRPr baseline="0">
+                <a:solidFill>
+                  <a:schemeClr val="tx2"/>
+                </a:solidFill>
+              </a:defRPr>
             </a:lvl3pPr>
             <a:lvl4pPr>
-              <a:defRPr sz="1600"/>
+              <a:defRPr baseline="0">
+                <a:solidFill>
+                  <a:schemeClr val="tx2"/>
+                </a:solidFill>
+              </a:defRPr>
             </a:lvl4pPr>
             <a:lvl5pPr>
-              <a:defRPr sz="1600"/>
+              <a:defRPr baseline="0">
+                <a:solidFill>
+                  <a:schemeClr val="tx2"/>
+                </a:solidFill>
+              </a:defRPr>
             </a:lvl5pPr>
-            <a:lvl6pPr>
-              <a:defRPr sz="1600"/>
-            </a:lvl6pPr>
-            <a:lvl7pPr>
-              <a:defRPr sz="1600"/>
-            </a:lvl7pPr>
-            <a:lvl8pPr>
-              <a:defRPr sz="1600"/>
-            </a:lvl8pPr>
-            <a:lvl9pPr>
-              <a:defRPr sz="1600"/>
-            </a:lvl9pPr>
           </a:lstStyle>
           <a:p>
             <a:pPr lvl="0"/>
@@ -2188,7 +2128,7 @@
           <a:p>
             <a:fld id="{76E42EAE-A2C4-49F9-84E9-DCB4B2CCF06C}" type="datetimeFigureOut">
               <a:rPr lang="en-IN" smtClean="0"/>
-              <a:t>12-11-2019</a:t>
+              <a:t>16-11-2019</a:t>
             </a:fld>
             <a:endParaRPr lang="en-IN"/>
           </a:p>
@@ -2239,7 +2179,7 @@
     </p:spTree>
     <p:extLst>
       <p:ext uri="{BB962C8B-B14F-4D97-AF65-F5344CB8AC3E}">
-        <p14:creationId xmlns:p14="http://schemas.microsoft.com/office/powerpoint/2010/main" val="1511085018"/>
+        <p14:creationId xmlns:p14="http://schemas.microsoft.com/office/powerpoint/2010/main" val="163372163"/>
       </p:ext>
     </p:extLst>
   </p:cSld>
@@ -2268,7 +2208,7 @@
       </p:grpSpPr>
       <p:sp>
         <p:nvSpPr>
-          <p:cNvPr id="6" name="Title 5"/>
+          <p:cNvPr id="2" name="Title 1"/>
           <p:cNvSpPr>
             <a:spLocks noGrp="1"/>
           </p:cNvSpPr>
@@ -2306,7 +2246,7 @@
           <a:p>
             <a:fld id="{76E42EAE-A2C4-49F9-84E9-DCB4B2CCF06C}" type="datetimeFigureOut">
               <a:rPr lang="en-IN" smtClean="0"/>
-              <a:t>12-11-2019</a:t>
+              <a:t>16-11-2019</a:t>
             </a:fld>
             <a:endParaRPr lang="en-IN"/>
           </a:p>
@@ -2357,7 +2297,7 @@
     </p:spTree>
     <p:extLst>
       <p:ext uri="{BB962C8B-B14F-4D97-AF65-F5344CB8AC3E}">
-        <p14:creationId xmlns:p14="http://schemas.microsoft.com/office/powerpoint/2010/main" val="3874483199"/>
+        <p14:creationId xmlns:p14="http://schemas.microsoft.com/office/powerpoint/2010/main" val="2829766888"/>
       </p:ext>
     </p:extLst>
   </p:cSld>
@@ -2401,7 +2341,7 @@
           <a:p>
             <a:fld id="{76E42EAE-A2C4-49F9-84E9-DCB4B2CCF06C}" type="datetimeFigureOut">
               <a:rPr lang="en-IN" smtClean="0"/>
-              <a:t>12-11-2019</a:t>
+              <a:t>16-11-2019</a:t>
             </a:fld>
             <a:endParaRPr lang="en-IN"/>
           </a:p>
@@ -2452,7 +2392,7 @@
     </p:spTree>
     <p:extLst>
       <p:ext uri="{BB962C8B-B14F-4D97-AF65-F5344CB8AC3E}">
-        <p14:creationId xmlns:p14="http://schemas.microsoft.com/office/powerpoint/2010/main" val="648533744"/>
+        <p14:creationId xmlns:p14="http://schemas.microsoft.com/office/powerpoint/2010/main" val="607705157"/>
       </p:ext>
     </p:extLst>
   </p:cSld>
@@ -2481,40 +2421,21 @@
       </p:grpSpPr>
       <p:sp>
         <p:nvSpPr>
-          <p:cNvPr id="8" name="Rectangle 7"/>
+          <p:cNvPr id="8" name="Rectangle 7" title="Background Shape"/>
           <p:cNvSpPr/>
           <p:nvPr/>
         </p:nvSpPr>
         <p:spPr>
           <a:xfrm>
-            <a:off x="8303740" y="0"/>
-            <a:ext cx="3888259" cy="6857999"/>
+            <a:off x="0" y="376"/>
+            <a:ext cx="5303520" cy="6857624"/>
           </a:xfrm>
           <a:prstGeom prst="rect">
             <a:avLst/>
           </a:prstGeom>
-          <a:blipFill dpi="0" rotWithShape="1">
-            <a:blip r:embed="rId2">
-              <a:alphaModFix amt="60000"/>
-              <a:lum bright="70000" contrast="-70000"/>
-              <a:extLst>
-                <a:ext uri="{BEBA8EAE-BF5A-486C-A8C5-ECC9F3942E4B}">
-                  <a14:imgProps xmlns:a14="http://schemas.microsoft.com/office/drawing/2010/main">
-                    <a14:imgLayer r:embed="rId3">
-                      <a14:imgEffect>
-                        <a14:sharpenSoften amount="61000"/>
-                      </a14:imgEffect>
-                    </a14:imgLayer>
-                  </a14:imgProps>
-                </a:ext>
-                <a:ext uri="{28A0092B-C50C-407E-A947-70E740481C1C}">
-                  <a14:useLocalDpi xmlns:a14="http://schemas.microsoft.com/office/drawing/2010/main" val="0"/>
-                </a:ext>
-              </a:extLst>
-            </a:blip>
-            <a:srcRect/>
-            <a:tile tx="0" ty="-704850" sx="92000" sy="89000" flip="xy" algn="ctr"/>
-          </a:blipFill>
+          <a:solidFill>
+            <a:schemeClr val="accent1"/>
+          </a:solidFill>
           <a:ln>
             <a:noFill/>
           </a:ln>
@@ -2548,17 +2469,24 @@
         </p:nvSpPr>
         <p:spPr>
           <a:xfrm>
-            <a:off x="8549640" y="685800"/>
-            <a:ext cx="3200400" cy="1737360"/>
-          </a:xfrm>
-        </p:spPr>
-        <p:txBody>
-          <a:bodyPr anchor="b">
-            <a:normAutofit/>
+            <a:off x="723900" y="685800"/>
+            <a:ext cx="3855720" cy="2157884"/>
+          </a:xfrm>
+        </p:spPr>
+        <p:txBody>
+          <a:bodyPr anchor="t">
+            <a:noAutofit/>
           </a:bodyPr>
           <a:lstStyle>
             <a:lvl1pPr>
-              <a:defRPr sz="3200" b="1"/>
+              <a:lnSpc>
+                <a:spcPct val="84000"/>
+              </a:lnSpc>
+              <a:defRPr sz="4800" baseline="0">
+                <a:solidFill>
+                  <a:schemeClr val="tx2"/>
+                </a:solidFill>
+              </a:defRPr>
             </a:lvl1pPr>
           </a:lstStyle>
           <a:p>
@@ -2582,8 +2510,8 @@
         </p:nvSpPr>
         <p:spPr>
           <a:xfrm>
-            <a:off x="838200" y="685800"/>
-            <a:ext cx="6711696" cy="5020056"/>
+            <a:off x="6256020" y="685801"/>
+            <a:ext cx="5212080" cy="5175250"/>
           </a:xfrm>
         </p:spPr>
         <p:txBody>
@@ -2593,13 +2521,13 @@
               <a:defRPr sz="2000"/>
             </a:lvl1pPr>
             <a:lvl2pPr>
-              <a:defRPr sz="1800"/>
+              <a:defRPr sz="2000"/>
             </a:lvl2pPr>
             <a:lvl3pPr>
-              <a:defRPr sz="1600"/>
+              <a:defRPr sz="1800"/>
             </a:lvl3pPr>
             <a:lvl4pPr>
-              <a:defRPr sz="1600"/>
+              <a:defRPr sz="1800"/>
             </a:lvl4pPr>
             <a:lvl5pPr>
               <a:defRPr sz="1600"/>
@@ -2667,62 +2595,57 @@
         </p:nvSpPr>
         <p:spPr>
           <a:xfrm>
-            <a:off x="8549640" y="2423160"/>
-            <a:ext cx="3200400" cy="3291840"/>
-          </a:xfrm>
-        </p:spPr>
-        <p:txBody>
-          <a:bodyPr>
-            <a:normAutofit/>
-          </a:bodyPr>
+            <a:off x="723900" y="2856344"/>
+            <a:ext cx="3855720" cy="3011056"/>
+          </a:xfrm>
+        </p:spPr>
+        <p:txBody>
+          <a:bodyPr/>
           <a:lstStyle>
             <a:lvl1pPr marL="0" indent="0">
               <a:lnSpc>
-                <a:spcPct val="100000"/>
+                <a:spcPct val="113000"/>
               </a:lnSpc>
               <a:spcBef>
-                <a:spcPts val="1000"/>
+                <a:spcPts val="0"/>
               </a:spcBef>
-              <a:buNone/>
-              <a:defRPr sz="1400">
-                <a:solidFill>
-                  <a:schemeClr val="accent1">
-                    <a:lumMod val="75000"/>
-                  </a:schemeClr>
-                </a:solidFill>
-              </a:defRPr>
+              <a:spcAft>
+                <a:spcPts val="1500"/>
+              </a:spcAft>
+              <a:buNone/>
+              <a:defRPr sz="1600"/>
             </a:lvl1pPr>
             <a:lvl2pPr marL="457200" indent="0">
               <a:buNone/>
-              <a:defRPr sz="1200"/>
+              <a:defRPr sz="1400"/>
             </a:lvl2pPr>
             <a:lvl3pPr marL="914400" indent="0">
               <a:buNone/>
-              <a:defRPr sz="1000"/>
+              <a:defRPr sz="1200"/>
             </a:lvl3pPr>
             <a:lvl4pPr marL="1371600" indent="0">
               <a:buNone/>
-              <a:defRPr sz="900"/>
+              <a:defRPr sz="1000"/>
             </a:lvl4pPr>
             <a:lvl5pPr marL="1828800" indent="0">
               <a:buNone/>
-              <a:defRPr sz="900"/>
+              <a:defRPr sz="1000"/>
             </a:lvl5pPr>
             <a:lvl6pPr marL="2286000" indent="0">
               <a:buNone/>
-              <a:defRPr sz="900"/>
+              <a:defRPr sz="1000"/>
             </a:lvl6pPr>
             <a:lvl7pPr marL="2743200" indent="0">
               <a:buNone/>
-              <a:defRPr sz="900"/>
+              <a:defRPr sz="1000"/>
             </a:lvl7pPr>
             <a:lvl8pPr marL="3200400" indent="0">
               <a:buNone/>
-              <a:defRPr sz="900"/>
+              <a:defRPr sz="1000"/>
             </a:lvl8pPr>
             <a:lvl9pPr marL="3657600" indent="0">
               <a:buNone/>
-              <a:defRPr sz="900"/>
+              <a:defRPr sz="1000"/>
             </a:lvl9pPr>
           </a:lstStyle>
           <a:p>
@@ -2744,14 +2667,27 @@
             <p:ph type="dt" sz="half" idx="10"/>
           </p:nvPr>
         </p:nvSpPr>
-        <p:spPr/>
+        <p:spPr>
+          <a:xfrm>
+            <a:off x="723900" y="6453386"/>
+            <a:ext cx="1204572" cy="404614"/>
+          </a:xfrm>
+        </p:spPr>
         <p:txBody>
           <a:bodyPr/>
-          <a:lstStyle/>
+          <a:lstStyle>
+            <a:lvl1pPr>
+              <a:defRPr>
+                <a:solidFill>
+                  <a:schemeClr val="tx2"/>
+                </a:solidFill>
+              </a:defRPr>
+            </a:lvl1pPr>
+          </a:lstStyle>
           <a:p>
             <a:fld id="{76E42EAE-A2C4-49F9-84E9-DCB4B2CCF06C}" type="datetimeFigureOut">
               <a:rPr lang="en-IN" smtClean="0"/>
-              <a:t>12-11-2019</a:t>
+              <a:t>16-11-2019</a:t>
             </a:fld>
             <a:endParaRPr lang="en-IN"/>
           </a:p>
@@ -2767,104 +2703,28 @@
             <p:ph type="ftr" sz="quarter" idx="11"/>
           </p:nvPr>
         </p:nvSpPr>
-        <p:spPr/>
+        <p:spPr>
+          <a:xfrm>
+            <a:off x="2205945" y="6453386"/>
+            <a:ext cx="2373675" cy="404614"/>
+          </a:xfrm>
+        </p:spPr>
         <p:txBody>
           <a:bodyPr/>
-          <a:lstStyle/>
+          <a:lstStyle>
+            <a:lvl1pPr>
+              <a:defRPr>
+                <a:solidFill>
+                  <a:schemeClr val="tx2"/>
+                </a:solidFill>
+              </a:defRPr>
+            </a:lvl1pPr>
+          </a:lstStyle>
           <a:p>
             <a:endParaRPr lang="en-IN"/>
           </a:p>
         </p:txBody>
       </p:sp>
-      <p:grpSp>
-        <p:nvGrpSpPr>
-          <p:cNvPr id="9" name="Group 8"/>
-          <p:cNvGrpSpPr>
-            <a:grpSpLocks noChangeAspect="1"/>
-          </p:cNvGrpSpPr>
-          <p:nvPr/>
-        </p:nvGrpSpPr>
-        <p:grpSpPr>
-          <a:xfrm>
-            <a:off x="11401725" y="6229681"/>
-            <a:ext cx="457200" cy="457200"/>
-            <a:chOff x="11361456" y="6195813"/>
-            <a:chExt cx="548640" cy="548640"/>
-          </a:xfrm>
-        </p:grpSpPr>
-        <p:sp>
-          <p:nvSpPr>
-            <p:cNvPr id="10" name="Oval 9"/>
-            <p:cNvSpPr/>
-            <p:nvPr/>
-          </p:nvSpPr>
-          <p:spPr>
-            <a:xfrm>
-              <a:off x="11361456" y="6195813"/>
-              <a:ext cx="548640" cy="548640"/>
-            </a:xfrm>
-            <a:prstGeom prst="ellipse">
-              <a:avLst/>
-            </a:prstGeom>
-            <a:blipFill dpi="0" rotWithShape="1">
-              <a:blip r:embed="rId4">
-                <a:duotone>
-                  <a:schemeClr val="accent1">
-                    <a:shade val="45000"/>
-                    <a:satMod val="135000"/>
-                  </a:schemeClr>
-                  <a:prstClr val="white"/>
-                </a:duotone>
-                <a:extLst>
-                  <a:ext uri="{BEBA8EAE-BF5A-486C-A8C5-ECC9F3942E4B}">
-                    <a14:imgProps xmlns:a14="http://schemas.microsoft.com/office/drawing/2010/main">
-                      <a14:imgLayer r:embed="rId5">
-                        <a14:imgEffect>
-                          <a14:saturation sat="95000"/>
-                        </a14:imgEffect>
-                        <a14:imgEffect>
-                          <a14:brightnessContrast bright="-40000" contrast="20000"/>
-                        </a14:imgEffect>
-                      </a14:imgLayer>
-                    </a14:imgProps>
-                  </a:ext>
-                </a:extLst>
-              </a:blip>
-              <a:srcRect/>
-              <a:tile tx="50800" ty="0" sx="85000" sy="85000" flip="none" algn="tl"/>
-            </a:blipFill>
-            <a:ln w="25400" cap="flat" cmpd="sng" algn="ctr">
-              <a:noFill/>
-              <a:prstDash val="solid"/>
-            </a:ln>
-            <a:effectLst/>
-          </p:spPr>
-        </p:sp>
-        <p:sp>
-          <p:nvSpPr>
-            <p:cNvPr id="11" name="Oval 10"/>
-            <p:cNvSpPr/>
-            <p:nvPr/>
-          </p:nvSpPr>
-          <p:spPr>
-            <a:xfrm>
-              <a:off x="11396488" y="6230844"/>
-              <a:ext cx="478576" cy="478578"/>
-            </a:xfrm>
-            <a:prstGeom prst="ellipse">
-              <a:avLst/>
-            </a:prstGeom>
-            <a:noFill/>
-            <a:ln w="12700" cap="flat" cmpd="sng" algn="ctr">
-              <a:solidFill>
-                <a:sysClr val="window" lastClr="FFFFFF"/>
-              </a:solidFill>
-              <a:prstDash val="solid"/>
-            </a:ln>
-            <a:effectLst/>
-          </p:spPr>
-        </p:sp>
-      </p:grpSp>
       <p:sp>
         <p:nvSpPr>
           <p:cNvPr id="7" name="Slide Number Placeholder 6"/>
@@ -2875,10 +2735,23 @@
             <p:ph type="sldNum" sz="quarter" idx="12"/>
           </p:nvPr>
         </p:nvSpPr>
-        <p:spPr/>
+        <p:spPr>
+          <a:xfrm>
+            <a:off x="9883140" y="6453386"/>
+            <a:ext cx="1596292" cy="404614"/>
+          </a:xfrm>
+        </p:spPr>
         <p:txBody>
           <a:bodyPr/>
-          <a:lstStyle/>
+          <a:lstStyle>
+            <a:lvl1pPr>
+              <a:defRPr>
+                <a:solidFill>
+                  <a:schemeClr val="tx2"/>
+                </a:solidFill>
+              </a:defRPr>
+            </a:lvl1pPr>
+          </a:lstStyle>
           <a:p>
             <a:fld id="{7DF56D63-9C9B-4877-BDC2-BF48E51EDC3D}" type="slidenum">
               <a:rPr lang="en-IN" smtClean="0"/>
@@ -2888,10 +2761,48 @@
           </a:p>
         </p:txBody>
       </p:sp>
+      <p:sp>
+        <p:nvSpPr>
+          <p:cNvPr id="9" name="Rectangle 8" title="Divider Bar"/>
+          <p:cNvSpPr/>
+          <p:nvPr/>
+        </p:nvSpPr>
+        <p:spPr>
+          <a:xfrm>
+            <a:off x="5303520" y="376"/>
+            <a:ext cx="228600" cy="6858000"/>
+          </a:xfrm>
+          <a:prstGeom prst="rect">
+            <a:avLst/>
+          </a:prstGeom>
+          <a:solidFill>
+            <a:schemeClr val="tx2"/>
+          </a:solidFill>
+          <a:ln>
+            <a:noFill/>
+          </a:ln>
+        </p:spPr>
+        <p:style>
+          <a:lnRef idx="2">
+            <a:schemeClr val="accent1">
+              <a:shade val="50000"/>
+            </a:schemeClr>
+          </a:lnRef>
+          <a:fillRef idx="1">
+            <a:schemeClr val="accent1"/>
+          </a:fillRef>
+          <a:effectRef idx="0">
+            <a:schemeClr val="accent1"/>
+          </a:effectRef>
+          <a:fontRef idx="minor">
+            <a:schemeClr val="lt1"/>
+          </a:fontRef>
+        </p:style>
+      </p:sp>
     </p:spTree>
     <p:extLst>
       <p:ext uri="{BB962C8B-B14F-4D97-AF65-F5344CB8AC3E}">
-        <p14:creationId xmlns:p14="http://schemas.microsoft.com/office/powerpoint/2010/main" val="2362625880"/>
+        <p14:creationId xmlns:p14="http://schemas.microsoft.com/office/powerpoint/2010/main" val="1834268120"/>
       </p:ext>
     </p:extLst>
   </p:cSld>
@@ -2920,40 +2831,21 @@
       </p:grpSpPr>
       <p:sp>
         <p:nvSpPr>
-          <p:cNvPr id="11" name="Rectangle 10"/>
+          <p:cNvPr id="8" name="Rectangle 7" title="Background Shape"/>
           <p:cNvSpPr/>
           <p:nvPr/>
         </p:nvSpPr>
         <p:spPr>
           <a:xfrm>
-            <a:off x="8303740" y="0"/>
-            <a:ext cx="3888259" cy="6857999"/>
+            <a:off x="0" y="376"/>
+            <a:ext cx="5303520" cy="6857624"/>
           </a:xfrm>
           <a:prstGeom prst="rect">
             <a:avLst/>
           </a:prstGeom>
-          <a:blipFill dpi="0" rotWithShape="1">
-            <a:blip r:embed="rId2">
-              <a:alphaModFix amt="60000"/>
-              <a:lum bright="70000" contrast="-70000"/>
-              <a:extLst>
-                <a:ext uri="{BEBA8EAE-BF5A-486C-A8C5-ECC9F3942E4B}">
-                  <a14:imgProps xmlns:a14="http://schemas.microsoft.com/office/drawing/2010/main">
-                    <a14:imgLayer r:embed="rId3">
-                      <a14:imgEffect>
-                        <a14:sharpenSoften amount="61000"/>
-                      </a14:imgEffect>
-                    </a14:imgLayer>
-                  </a14:imgProps>
-                </a:ext>
-                <a:ext uri="{28A0092B-C50C-407E-A947-70E740481C1C}">
-                  <a14:useLocalDpi xmlns:a14="http://schemas.microsoft.com/office/drawing/2010/main" val="0"/>
-                </a:ext>
-              </a:extLst>
-            </a:blip>
-            <a:srcRect/>
-            <a:tile tx="0" ty="-704850" sx="92000" sy="89000" flip="xy" algn="ctr"/>
-          </a:blipFill>
+          <a:solidFill>
+            <a:schemeClr val="accent1"/>
+          </a:solidFill>
           <a:ln>
             <a:noFill/>
           </a:ln>
@@ -2987,17 +2879,20 @@
         </p:nvSpPr>
         <p:spPr>
           <a:xfrm>
-            <a:off x="8549640" y="685800"/>
-            <a:ext cx="3200400" cy="1737360"/>
-          </a:xfrm>
-        </p:spPr>
-        <p:txBody>
-          <a:bodyPr anchor="b">
+            <a:off x="723900" y="685800"/>
+            <a:ext cx="3855720" cy="2157884"/>
+          </a:xfrm>
+        </p:spPr>
+        <p:txBody>
+          <a:bodyPr anchor="t">
             <a:normAutofit/>
           </a:bodyPr>
           <a:lstStyle>
             <a:lvl1pPr>
-              <a:defRPr sz="3200" b="1"/>
+              <a:lnSpc>
+                <a:spcPct val="84000"/>
+              </a:lnSpc>
+              <a:defRPr sz="4800" baseline="0"/>
             </a:lvl1pPr>
           </a:lstStyle>
           <a:p>
@@ -3021,133 +2916,124 @@
         </p:nvSpPr>
         <p:spPr>
           <a:xfrm>
-            <a:off x="0" y="0"/>
-            <a:ext cx="8303740" cy="6858000"/>
-          </a:xfrm>
-          <a:solidFill>
-            <a:schemeClr val="tx2">
-              <a:lumMod val="20000"/>
-              <a:lumOff val="80000"/>
-            </a:schemeClr>
-          </a:solidFill>
-        </p:spPr>
-        <p:txBody>
-          <a:bodyPr anchor="t"/>
-          <a:lstStyle>
-            <a:lvl1pPr marL="0" indent="0">
-              <a:buNone/>
-              <a:defRPr sz="3200"/>
-            </a:lvl1pPr>
-            <a:lvl2pPr marL="457200" indent="0">
-              <a:buNone/>
-              <a:defRPr sz="2800"/>
-            </a:lvl2pPr>
-            <a:lvl3pPr marL="914400" indent="0">
-              <a:buNone/>
-              <a:defRPr sz="2400"/>
-            </a:lvl3pPr>
-            <a:lvl4pPr marL="1371600" indent="0">
-              <a:buNone/>
-              <a:defRPr sz="2000"/>
-            </a:lvl4pPr>
-            <a:lvl5pPr marL="1828800" indent="0">
-              <a:buNone/>
-              <a:defRPr sz="2000"/>
-            </a:lvl5pPr>
-            <a:lvl6pPr marL="2286000" indent="0">
-              <a:buNone/>
-              <a:defRPr sz="2000"/>
-            </a:lvl6pPr>
-            <a:lvl7pPr marL="2743200" indent="0">
-              <a:buNone/>
-              <a:defRPr sz="2000"/>
-            </a:lvl7pPr>
-            <a:lvl8pPr marL="3200400" indent="0">
-              <a:buNone/>
-              <a:defRPr sz="2000"/>
-            </a:lvl8pPr>
-            <a:lvl9pPr marL="3657600" indent="0">
-              <a:buNone/>
-              <a:defRPr sz="2000"/>
-            </a:lvl9pPr>
-          </a:lstStyle>
-          <a:p>
-            <a:r>
-              <a:rPr lang="en-US"/>
-              <a:t>Click icon to add picture</a:t>
-            </a:r>
-            <a:endParaRPr lang="en-US" dirty="0"/>
-          </a:p>
-        </p:txBody>
-      </p:sp>
-      <p:sp>
-        <p:nvSpPr>
-          <p:cNvPr id="4" name="Text Placeholder 3"/>
-          <p:cNvSpPr>
-            <a:spLocks noGrp="1"/>
-          </p:cNvSpPr>
-          <p:nvPr>
-            <p:ph type="body" sz="half" idx="2"/>
-          </p:nvPr>
-        </p:nvSpPr>
-        <p:spPr>
-          <a:xfrm>
-            <a:off x="8549640" y="2423160"/>
-            <a:ext cx="3200400" cy="3291840"/>
-          </a:xfrm>
-        </p:spPr>
-        <p:txBody>
-          <a:bodyPr>
+            <a:off x="5532120" y="0"/>
+            <a:ext cx="6659880" cy="6857999"/>
+          </a:xfrm>
+        </p:spPr>
+        <p:txBody>
+          <a:bodyPr anchor="t">
             <a:normAutofit/>
           </a:bodyPr>
           <a:lstStyle>
             <a:lvl1pPr marL="0" indent="0">
+              <a:buNone/>
+              <a:defRPr sz="2000"/>
+            </a:lvl1pPr>
+            <a:lvl2pPr marL="457200" indent="0">
+              <a:buNone/>
+              <a:defRPr sz="2000"/>
+            </a:lvl2pPr>
+            <a:lvl3pPr marL="914400" indent="0">
+              <a:buNone/>
+              <a:defRPr sz="2000"/>
+            </a:lvl3pPr>
+            <a:lvl4pPr marL="1371600" indent="0">
+              <a:buNone/>
+              <a:defRPr sz="2000"/>
+            </a:lvl4pPr>
+            <a:lvl5pPr marL="1828800" indent="0">
+              <a:buNone/>
+              <a:defRPr sz="2000"/>
+            </a:lvl5pPr>
+            <a:lvl6pPr marL="2286000" indent="0">
+              <a:buNone/>
+              <a:defRPr sz="2000"/>
+            </a:lvl6pPr>
+            <a:lvl7pPr marL="2743200" indent="0">
+              <a:buNone/>
+              <a:defRPr sz="2000"/>
+            </a:lvl7pPr>
+            <a:lvl8pPr marL="3200400" indent="0">
+              <a:buNone/>
+              <a:defRPr sz="2000"/>
+            </a:lvl8pPr>
+            <a:lvl9pPr marL="3657600" indent="0">
+              <a:buNone/>
+              <a:defRPr sz="2000"/>
+            </a:lvl9pPr>
+          </a:lstStyle>
+          <a:p>
+            <a:r>
+              <a:rPr lang="en-US"/>
+              <a:t>Click icon to add picture</a:t>
+            </a:r>
+            <a:endParaRPr lang="en-US" dirty="0"/>
+          </a:p>
+        </p:txBody>
+      </p:sp>
+      <p:sp>
+        <p:nvSpPr>
+          <p:cNvPr id="4" name="Text Placeholder 3"/>
+          <p:cNvSpPr>
+            <a:spLocks noGrp="1"/>
+          </p:cNvSpPr>
+          <p:nvPr>
+            <p:ph type="body" sz="half" idx="2"/>
+          </p:nvPr>
+        </p:nvSpPr>
+        <p:spPr>
+          <a:xfrm>
+            <a:off x="723900" y="2855968"/>
+            <a:ext cx="3855720" cy="3011432"/>
+          </a:xfrm>
+        </p:spPr>
+        <p:txBody>
+          <a:bodyPr/>
+          <a:lstStyle>
+            <a:lvl1pPr marL="0" indent="0">
               <a:lnSpc>
-                <a:spcPct val="100000"/>
+                <a:spcPct val="113000"/>
               </a:lnSpc>
               <a:spcBef>
-                <a:spcPts val="1000"/>
+                <a:spcPts val="0"/>
               </a:spcBef>
-              <a:buNone/>
-              <a:defRPr sz="1400">
-                <a:solidFill>
-                  <a:schemeClr val="accent1">
-                    <a:lumMod val="75000"/>
-                  </a:schemeClr>
-                </a:solidFill>
-              </a:defRPr>
+              <a:spcAft>
+                <a:spcPts val="1500"/>
+              </a:spcAft>
+              <a:buNone/>
+              <a:defRPr sz="1600"/>
             </a:lvl1pPr>
             <a:lvl2pPr marL="457200" indent="0">
               <a:buNone/>
-              <a:defRPr sz="1200"/>
+              <a:defRPr sz="1400"/>
             </a:lvl2pPr>
             <a:lvl3pPr marL="914400" indent="0">
               <a:buNone/>
-              <a:defRPr sz="1000"/>
+              <a:defRPr sz="1200"/>
             </a:lvl3pPr>
             <a:lvl4pPr marL="1371600" indent="0">
               <a:buNone/>
-              <a:defRPr sz="900"/>
+              <a:defRPr sz="1000"/>
             </a:lvl4pPr>
             <a:lvl5pPr marL="1828800" indent="0">
               <a:buNone/>
-              <a:defRPr sz="900"/>
+              <a:defRPr sz="1000"/>
             </a:lvl5pPr>
             <a:lvl6pPr marL="2286000" indent="0">
               <a:buNone/>
-              <a:defRPr sz="900"/>
+              <a:defRPr sz="1000"/>
             </a:lvl6pPr>
             <a:lvl7pPr marL="2743200" indent="0">
               <a:buNone/>
-              <a:defRPr sz="900"/>
+              <a:defRPr sz="1000"/>
             </a:lvl7pPr>
             <a:lvl8pPr marL="3200400" indent="0">
               <a:buNone/>
-              <a:defRPr sz="900"/>
+              <a:defRPr sz="1000"/>
             </a:lvl8pPr>
             <a:lvl9pPr marL="3657600" indent="0">
               <a:buNone/>
-              <a:defRPr sz="900"/>
+              <a:defRPr sz="1000"/>
             </a:lvl9pPr>
           </a:lstStyle>
           <a:p>
@@ -3169,108 +3055,64 @@
             <p:ph type="dt" sz="half" idx="10"/>
           </p:nvPr>
         </p:nvSpPr>
-        <p:spPr/>
+        <p:spPr>
+          <a:xfrm>
+            <a:off x="723900" y="6453386"/>
+            <a:ext cx="1204572" cy="404614"/>
+          </a:xfrm>
+        </p:spPr>
         <p:txBody>
           <a:bodyPr/>
-          <a:lstStyle/>
+          <a:lstStyle>
+            <a:lvl1pPr>
+              <a:defRPr>
+                <a:solidFill>
+                  <a:schemeClr val="tx2"/>
+                </a:solidFill>
+              </a:defRPr>
+            </a:lvl1pPr>
+          </a:lstStyle>
           <a:p>
             <a:fld id="{76E42EAE-A2C4-49F9-84E9-DCB4B2CCF06C}" type="datetimeFigureOut">
               <a:rPr lang="en-IN" smtClean="0"/>
-              <a:t>12-11-2019</a:t>
+              <a:t>16-11-2019</a:t>
             </a:fld>
             <a:endParaRPr lang="en-IN"/>
           </a:p>
         </p:txBody>
       </p:sp>
-      <p:grpSp>
-        <p:nvGrpSpPr>
-          <p:cNvPr id="8" name="Group 7"/>
-          <p:cNvGrpSpPr>
-            <a:grpSpLocks noChangeAspect="1"/>
-          </p:cNvGrpSpPr>
-          <p:nvPr/>
-        </p:nvGrpSpPr>
-        <p:grpSpPr>
-          <a:xfrm>
-            <a:off x="11401725" y="6229681"/>
-            <a:ext cx="457200" cy="457200"/>
-            <a:chOff x="11361456" y="6195813"/>
-            <a:chExt cx="548640" cy="548640"/>
-          </a:xfrm>
-        </p:grpSpPr>
-        <p:sp>
-          <p:nvSpPr>
-            <p:cNvPr id="9" name="Oval 8"/>
-            <p:cNvSpPr/>
-            <p:nvPr/>
-          </p:nvSpPr>
-          <p:spPr>
-            <a:xfrm>
-              <a:off x="11361456" y="6195813"/>
-              <a:ext cx="548640" cy="548640"/>
-            </a:xfrm>
-            <a:prstGeom prst="ellipse">
-              <a:avLst/>
-            </a:prstGeom>
-            <a:blipFill dpi="0" rotWithShape="1">
-              <a:blip r:embed="rId4">
-                <a:duotone>
-                  <a:schemeClr val="accent1">
-                    <a:shade val="45000"/>
-                    <a:satMod val="135000"/>
-                  </a:schemeClr>
-                  <a:prstClr val="white"/>
-                </a:duotone>
-                <a:extLst>
-                  <a:ext uri="{BEBA8EAE-BF5A-486C-A8C5-ECC9F3942E4B}">
-                    <a14:imgProps xmlns:a14="http://schemas.microsoft.com/office/drawing/2010/main">
-                      <a14:imgLayer r:embed="rId5">
-                        <a14:imgEffect>
-                          <a14:saturation sat="95000"/>
-                        </a14:imgEffect>
-                        <a14:imgEffect>
-                          <a14:brightnessContrast bright="-40000" contrast="20000"/>
-                        </a14:imgEffect>
-                      </a14:imgLayer>
-                    </a14:imgProps>
-                  </a:ext>
-                </a:extLst>
-              </a:blip>
-              <a:srcRect/>
-              <a:tile tx="50800" ty="0" sx="85000" sy="85000" flip="none" algn="tl"/>
-            </a:blipFill>
-            <a:ln w="25400" cap="flat" cmpd="sng" algn="ctr">
-              <a:noFill/>
-              <a:prstDash val="solid"/>
-            </a:ln>
-            <a:effectLst/>
-          </p:spPr>
-        </p:sp>
-        <p:sp>
-          <p:nvSpPr>
-            <p:cNvPr id="10" name="Oval 9"/>
-            <p:cNvSpPr/>
-            <p:nvPr/>
-          </p:nvSpPr>
-          <p:spPr>
-            <a:xfrm>
-              <a:off x="11396488" y="6230844"/>
-              <a:ext cx="478576" cy="478578"/>
-            </a:xfrm>
-            <a:prstGeom prst="ellipse">
-              <a:avLst/>
-            </a:prstGeom>
-            <a:noFill/>
-            <a:ln w="12700" cap="flat" cmpd="sng" algn="ctr">
-              <a:solidFill>
-                <a:sysClr val="window" lastClr="FFFFFF"/>
-              </a:solidFill>
-              <a:prstDash val="solid"/>
-            </a:ln>
-            <a:effectLst/>
-          </p:spPr>
-        </p:sp>
-      </p:grpSp>
+      <p:sp>
+        <p:nvSpPr>
+          <p:cNvPr id="6" name="Footer Placeholder 5"/>
+          <p:cNvSpPr>
+            <a:spLocks noGrp="1"/>
+          </p:cNvSpPr>
+          <p:nvPr>
+            <p:ph type="ftr" sz="quarter" idx="11"/>
+          </p:nvPr>
+        </p:nvSpPr>
+        <p:spPr>
+          <a:xfrm>
+            <a:off x="2205945" y="6453386"/>
+            <a:ext cx="2373675" cy="404614"/>
+          </a:xfrm>
+        </p:spPr>
+        <p:txBody>
+          <a:bodyPr/>
+          <a:lstStyle>
+            <a:lvl1pPr>
+              <a:defRPr>
+                <a:solidFill>
+                  <a:schemeClr val="tx2"/>
+                </a:solidFill>
+              </a:defRPr>
+            </a:lvl1pPr>
+          </a:lstStyle>
+          <a:p>
+            <a:endParaRPr lang="en-US" dirty="0"/>
+          </a:p>
+        </p:txBody>
+      </p:sp>
       <p:sp>
         <p:nvSpPr>
           <p:cNvPr id="7" name="Slide Number Placeholder 6"/>
@@ -3281,10 +3123,23 @@
             <p:ph type="sldNum" sz="quarter" idx="12"/>
           </p:nvPr>
         </p:nvSpPr>
-        <p:spPr/>
+        <p:spPr>
+          <a:xfrm>
+            <a:off x="9883140" y="6453386"/>
+            <a:ext cx="1596292" cy="404614"/>
+          </a:xfrm>
+        </p:spPr>
         <p:txBody>
           <a:bodyPr/>
-          <a:lstStyle/>
+          <a:lstStyle>
+            <a:lvl1pPr>
+              <a:defRPr>
+                <a:solidFill>
+                  <a:schemeClr val="tx2"/>
+                </a:solidFill>
+              </a:defRPr>
+            </a:lvl1pPr>
+          </a:lstStyle>
           <a:p>
             <a:fld id="{7DF56D63-9C9B-4877-BDC2-BF48E51EDC3D}" type="slidenum">
               <a:rPr lang="en-IN" smtClean="0"/>
@@ -3294,10 +3149,48 @@
           </a:p>
         </p:txBody>
       </p:sp>
+      <p:sp>
+        <p:nvSpPr>
+          <p:cNvPr id="9" name="Rectangle 8" title="Divider Bar"/>
+          <p:cNvSpPr/>
+          <p:nvPr/>
+        </p:nvSpPr>
+        <p:spPr>
+          <a:xfrm>
+            <a:off x="5303520" y="376"/>
+            <a:ext cx="228600" cy="6858000"/>
+          </a:xfrm>
+          <a:prstGeom prst="rect">
+            <a:avLst/>
+          </a:prstGeom>
+          <a:solidFill>
+            <a:schemeClr val="tx2"/>
+          </a:solidFill>
+          <a:ln>
+            <a:noFill/>
+          </a:ln>
+        </p:spPr>
+        <p:style>
+          <a:lnRef idx="2">
+            <a:schemeClr val="accent1">
+              <a:shade val="50000"/>
+            </a:schemeClr>
+          </a:lnRef>
+          <a:fillRef idx="1">
+            <a:schemeClr val="accent1"/>
+          </a:fillRef>
+          <a:effectRef idx="0">
+            <a:schemeClr val="accent1"/>
+          </a:effectRef>
+          <a:fontRef idx="minor">
+            <a:schemeClr val="lt1"/>
+          </a:fontRef>
+        </p:style>
+      </p:sp>
     </p:spTree>
     <p:extLst>
       <p:ext uri="{BB962C8B-B14F-4D97-AF65-F5344CB8AC3E}">
-        <p14:creationId xmlns:p14="http://schemas.microsoft.com/office/powerpoint/2010/main" val="546601573"/>
+        <p14:creationId xmlns:p14="http://schemas.microsoft.com/office/powerpoint/2010/main" val="1321172330"/>
       </p:ext>
     </p:extLst>
   </p:cSld>
@@ -3311,9 +3204,12 @@
 <p:sldMaster xmlns:a="http://schemas.openxmlformats.org/drawingml/2006/main" xmlns:r="http://schemas.openxmlformats.org/officeDocument/2006/relationships" xmlns:p="http://schemas.openxmlformats.org/presentationml/2006/main">
   <p:cSld>
     <p:bg>
-      <p:bgRef idx="1001">
-        <a:schemeClr val="bg1"/>
-      </p:bgRef>
+      <p:bgPr>
+        <a:solidFill>
+          <a:schemeClr val="bg2"/>
+        </a:solidFill>
+        <a:effectLst/>
+      </p:bgPr>
     </p:bg>
     <p:spTree>
       <p:nvGrpSpPr>
@@ -3341,15 +3237,15 @@
         </p:nvSpPr>
         <p:spPr>
           <a:xfrm>
-            <a:off x="1069848" y="484632"/>
-            <a:ext cx="10058400" cy="1609344"/>
+            <a:off x="1371600" y="685800"/>
+            <a:ext cx="9601200" cy="1485900"/>
           </a:xfrm>
           <a:prstGeom prst="rect">
             <a:avLst/>
           </a:prstGeom>
         </p:spPr>
         <p:txBody>
-          <a:bodyPr vert="horz" lIns="91440" tIns="45720" rIns="91440" bIns="45720" rtlCol="0" anchor="ctr">
+          <a:bodyPr vert="horz" lIns="91440" tIns="45720" rIns="91440" bIns="45720" rtlCol="0" anchor="t">
             <a:normAutofit/>
           </a:bodyPr>
           <a:lstStyle/>
@@ -3374,8 +3270,8 @@
         </p:nvSpPr>
         <p:spPr>
           <a:xfrm>
-            <a:off x="1069848" y="2121408"/>
-            <a:ext cx="10058400" cy="4050792"/>
+            <a:off x="1371600" y="2286000"/>
+            <a:ext cx="9601200" cy="3581400"/>
           </a:xfrm>
           <a:prstGeom prst="rect">
             <a:avLst/>
@@ -3436,8 +3332,8 @@
         </p:nvSpPr>
         <p:spPr>
           <a:xfrm>
-            <a:off x="7964424" y="6272784"/>
-            <a:ext cx="3273552" cy="365125"/>
+            <a:off x="1390650" y="6453386"/>
+            <a:ext cx="1204572" cy="404614"/>
           </a:xfrm>
           <a:prstGeom prst="rect">
             <a:avLst/>
@@ -3446,8 +3342,8 @@
         <p:txBody>
           <a:bodyPr vert="horz" lIns="91440" tIns="45720" rIns="91440" bIns="45720" rtlCol="0" anchor="ctr"/>
           <a:lstStyle>
-            <a:lvl1pPr algn="r">
-              <a:defRPr sz="1100">
+            <a:lvl1pPr algn="l">
+              <a:defRPr sz="1200" baseline="0">
                 <a:solidFill>
                   <a:schemeClr val="tx2"/>
                 </a:solidFill>
@@ -3457,7 +3353,7 @@
           <a:p>
             <a:fld id="{76E42EAE-A2C4-49F9-84E9-DCB4B2CCF06C}" type="datetimeFigureOut">
               <a:rPr lang="en-IN" smtClean="0"/>
-              <a:t>12-11-2019</a:t>
+              <a:t>16-11-2019</a:t>
             </a:fld>
             <a:endParaRPr lang="en-IN"/>
           </a:p>
@@ -3475,8 +3371,8 @@
         </p:nvSpPr>
         <p:spPr>
           <a:xfrm>
-            <a:off x="1088136" y="6272784"/>
-            <a:ext cx="6327648" cy="365125"/>
+            <a:off x="2893564" y="6453386"/>
+            <a:ext cx="6280830" cy="404614"/>
           </a:xfrm>
           <a:prstGeom prst="rect">
             <a:avLst/>
@@ -3486,7 +3382,7 @@
           <a:bodyPr vert="horz" lIns="91440" tIns="45720" rIns="91440" bIns="45720" rtlCol="0" anchor="ctr"/>
           <a:lstStyle>
             <a:lvl1pPr algn="l">
-              <a:defRPr sz="1100">
+              <a:defRPr sz="1200" baseline="0">
                 <a:solidFill>
                   <a:schemeClr val="tx2"/>
                 </a:solidFill>
@@ -3498,95 +3394,6 @@
           </a:p>
         </p:txBody>
       </p:sp>
-      <p:grpSp>
-        <p:nvGrpSpPr>
-          <p:cNvPr id="7" name="Group 6"/>
-          <p:cNvGrpSpPr>
-            <a:grpSpLocks noChangeAspect="1"/>
-          </p:cNvGrpSpPr>
-          <p:nvPr/>
-        </p:nvGrpSpPr>
-        <p:grpSpPr>
-          <a:xfrm>
-            <a:off x="11401725" y="6229681"/>
-            <a:ext cx="457200" cy="457200"/>
-            <a:chOff x="11361456" y="6195813"/>
-            <a:chExt cx="548640" cy="548640"/>
-          </a:xfrm>
-        </p:grpSpPr>
-        <p:sp>
-          <p:nvSpPr>
-            <p:cNvPr id="8" name="Oval 7"/>
-            <p:cNvSpPr/>
-            <p:nvPr/>
-          </p:nvSpPr>
-          <p:spPr>
-            <a:xfrm>
-              <a:off x="11361456" y="6195813"/>
-              <a:ext cx="548640" cy="548640"/>
-            </a:xfrm>
-            <a:prstGeom prst="ellipse">
-              <a:avLst/>
-            </a:prstGeom>
-            <a:blipFill dpi="0" rotWithShape="1">
-              <a:blip r:embed="rId13">
-                <a:duotone>
-                  <a:schemeClr val="accent1">
-                    <a:shade val="45000"/>
-                    <a:satMod val="135000"/>
-                  </a:schemeClr>
-                  <a:prstClr val="white"/>
-                </a:duotone>
-                <a:extLst>
-                  <a:ext uri="{BEBA8EAE-BF5A-486C-A8C5-ECC9F3942E4B}">
-                    <a14:imgProps xmlns:a14="http://schemas.microsoft.com/office/drawing/2010/main">
-                      <a14:imgLayer r:embed="rId14">
-                        <a14:imgEffect>
-                          <a14:saturation sat="95000"/>
-                        </a14:imgEffect>
-                        <a14:imgEffect>
-                          <a14:brightnessContrast bright="-40000" contrast="20000"/>
-                        </a14:imgEffect>
-                      </a14:imgLayer>
-                    </a14:imgProps>
-                  </a:ext>
-                </a:extLst>
-              </a:blip>
-              <a:srcRect/>
-              <a:tile tx="50800" ty="0" sx="85000" sy="85000" flip="none" algn="tl"/>
-            </a:blipFill>
-            <a:ln w="25400" cap="flat" cmpd="sng" algn="ctr">
-              <a:noFill/>
-              <a:prstDash val="solid"/>
-            </a:ln>
-            <a:effectLst/>
-          </p:spPr>
-        </p:sp>
-        <p:sp>
-          <p:nvSpPr>
-            <p:cNvPr id="9" name="Oval 8"/>
-            <p:cNvSpPr/>
-            <p:nvPr/>
-          </p:nvSpPr>
-          <p:spPr>
-            <a:xfrm>
-              <a:off x="11396488" y="6230844"/>
-              <a:ext cx="478576" cy="478578"/>
-            </a:xfrm>
-            <a:prstGeom prst="ellipse">
-              <a:avLst/>
-            </a:prstGeom>
-            <a:noFill/>
-            <a:ln w="12700" cap="flat" cmpd="sng" algn="ctr">
-              <a:solidFill>
-                <a:srgbClr val="FFFFFF"/>
-              </a:solidFill>
-              <a:prstDash val="solid"/>
-            </a:ln>
-            <a:effectLst/>
-          </p:spPr>
-        </p:sp>
-      </p:grpSp>
       <p:sp>
         <p:nvSpPr>
           <p:cNvPr id="6" name="Slide Number Placeholder 5"/>
@@ -3599,8 +3406,8 @@
         </p:nvSpPr>
         <p:spPr>
           <a:xfrm>
-            <a:off x="11311128" y="6272784"/>
-            <a:ext cx="640080" cy="365125"/>
+            <a:off x="9472736" y="6453386"/>
+            <a:ext cx="1596292" cy="404614"/>
           </a:xfrm>
           <a:prstGeom prst="rect">
             <a:avLst/>
@@ -3609,12 +3416,11 @@
         <p:txBody>
           <a:bodyPr vert="horz" lIns="91440" tIns="45720" rIns="91440" bIns="45720" rtlCol="0" anchor="ctr"/>
           <a:lstStyle>
-            <a:lvl1pPr algn="ctr">
-              <a:defRPr sz="1400" b="1">
-                <a:solidFill>
-                  <a:srgbClr val="FFFFFF"/>
-                </a:solidFill>
-                <a:latin typeface="+mj-lt"/>
+            <a:lvl1pPr algn="r">
+              <a:defRPr sz="1200" baseline="0">
+                <a:solidFill>
+                  <a:schemeClr val="tx2"/>
+                </a:solidFill>
               </a:defRPr>
             </a:lvl1pPr>
           </a:lstStyle>
@@ -3627,48 +3433,79 @@
           </a:p>
         </p:txBody>
       </p:sp>
+      <p:sp>
+        <p:nvSpPr>
+          <p:cNvPr id="9" name="Rectangle 8" title="Side bar"/>
+          <p:cNvSpPr/>
+          <p:nvPr/>
+        </p:nvSpPr>
+        <p:spPr>
+          <a:xfrm>
+            <a:off x="478095" y="376"/>
+            <a:ext cx="228600" cy="6858000"/>
+          </a:xfrm>
+          <a:prstGeom prst="rect">
+            <a:avLst/>
+          </a:prstGeom>
+          <a:solidFill>
+            <a:schemeClr val="tx2"/>
+          </a:solidFill>
+          <a:ln>
+            <a:noFill/>
+          </a:ln>
+        </p:spPr>
+        <p:style>
+          <a:lnRef idx="2">
+            <a:schemeClr val="accent1">
+              <a:shade val="50000"/>
+            </a:schemeClr>
+          </a:lnRef>
+          <a:fillRef idx="1">
+            <a:schemeClr val="accent1"/>
+          </a:fillRef>
+          <a:effectRef idx="0">
+            <a:schemeClr val="accent1"/>
+          </a:effectRef>
+          <a:fontRef idx="minor">
+            <a:schemeClr val="lt1"/>
+          </a:fontRef>
+        </p:style>
+      </p:sp>
     </p:spTree>
     <p:extLst>
       <p:ext uri="{BB962C8B-B14F-4D97-AF65-F5344CB8AC3E}">
-        <p14:creationId xmlns:p14="http://schemas.microsoft.com/office/powerpoint/2010/main" val="310687319"/>
+        <p14:creationId xmlns:p14="http://schemas.microsoft.com/office/powerpoint/2010/main" val="2706320191"/>
       </p:ext>
     </p:extLst>
   </p:cSld>
   <p:clrMap bg1="lt1" tx1="dk1" bg2="lt2" tx2="dk2" accent1="accent1" accent2="accent2" accent3="accent3" accent4="accent4" accent5="accent5" accent6="accent6" hlink="hlink" folHlink="folHlink"/>
   <p:sldLayoutIdLst>
-    <p:sldLayoutId id="2147483858" r:id="rId1"/>
-    <p:sldLayoutId id="2147483859" r:id="rId2"/>
-    <p:sldLayoutId id="2147483860" r:id="rId3"/>
-    <p:sldLayoutId id="2147483861" r:id="rId4"/>
-    <p:sldLayoutId id="2147483862" r:id="rId5"/>
-    <p:sldLayoutId id="2147483863" r:id="rId6"/>
-    <p:sldLayoutId id="2147483864" r:id="rId7"/>
-    <p:sldLayoutId id="2147483865" r:id="rId8"/>
-    <p:sldLayoutId id="2147483866" r:id="rId9"/>
-    <p:sldLayoutId id="2147483867" r:id="rId10"/>
-    <p:sldLayoutId id="2147483868" r:id="rId11"/>
+    <p:sldLayoutId id="2147483870" r:id="rId1"/>
+    <p:sldLayoutId id="2147483871" r:id="rId2"/>
+    <p:sldLayoutId id="2147483872" r:id="rId3"/>
+    <p:sldLayoutId id="2147483873" r:id="rId4"/>
+    <p:sldLayoutId id="2147483874" r:id="rId5"/>
+    <p:sldLayoutId id="2147483875" r:id="rId6"/>
+    <p:sldLayoutId id="2147483876" r:id="rId7"/>
+    <p:sldLayoutId id="2147483877" r:id="rId8"/>
+    <p:sldLayoutId id="2147483878" r:id="rId9"/>
+    <p:sldLayoutId id="2147483879" r:id="rId10"/>
+    <p:sldLayoutId id="2147483880" r:id="rId11"/>
   </p:sldLayoutIdLst>
   <p:txStyles>
     <p:titleStyle>
       <a:lvl1pPr algn="l" defTabSz="914400" rtl="0" eaLnBrk="1" latinLnBrk="0" hangingPunct="1">
         <a:lnSpc>
-          <a:spcPct val="90000"/>
+          <a:spcPct val="89000"/>
         </a:lnSpc>
         <a:spcBef>
           <a:spcPct val="0"/>
         </a:spcBef>
         <a:buNone/>
-        <a:defRPr sz="5400" kern="1200" cap="all" baseline="0">
-          <a:blipFill>
-            <a:blip r:embed="rId15">
-              <a:extLst>
-                <a:ext uri="{28A0092B-C50C-407E-A947-70E740481C1C}">
-                  <a14:useLocalDpi xmlns:a14="http://schemas.microsoft.com/office/drawing/2010/main" val="0"/>
-                </a:ext>
-              </a:extLst>
-            </a:blip>
-            <a:tile tx="6350" ty="-127000" sx="65000" sy="64000" flip="none" algn="tl"/>
-          </a:blipFill>
+        <a:defRPr sz="4400" kern="1200" baseline="0">
+          <a:solidFill>
+            <a:schemeClr val="tx2"/>
+          </a:solidFill>
           <a:latin typeface="+mj-lt"/>
           <a:ea typeface="+mj-ea"/>
           <a:cs typeface="+mj-cs"/>
@@ -3676,240 +3513,189 @@
       </a:lvl1pPr>
     </p:titleStyle>
     <p:bodyStyle>
-      <a:lvl1pPr marL="182880" indent="-182880" algn="l" defTabSz="914400" rtl="0" eaLnBrk="1" latinLnBrk="0" hangingPunct="1">
+      <a:lvl1pPr marL="384048" indent="-384048" algn="l" defTabSz="914400" rtl="0" eaLnBrk="1" latinLnBrk="0" hangingPunct="1">
         <a:lnSpc>
-          <a:spcPct val="90000"/>
+          <a:spcPct val="94000"/>
         </a:lnSpc>
         <a:spcBef>
-          <a:spcPts val="1200"/>
+          <a:spcPts val="1000"/>
         </a:spcBef>
-        <a:buClr>
-          <a:schemeClr val="accent1">
-            <a:lumMod val="75000"/>
-          </a:schemeClr>
-        </a:buClr>
-        <a:buSzPct val="85000"/>
-        <a:buFont typeface="Wingdings" pitchFamily="2" charset="2"/>
-        <a:buChar char="§"/>
-        <a:defRPr sz="2000" kern="1200">
+        <a:spcAft>
+          <a:spcPts val="200"/>
+        </a:spcAft>
+        <a:buFont typeface="Franklin Gothic Book" panose="020B0503020102020204" pitchFamily="34" charset="0"/>
+        <a:buChar char="■"/>
+        <a:defRPr sz="2000" kern="1200" baseline="0">
           <a:solidFill>
-            <a:schemeClr val="tx1"/>
+            <a:schemeClr val="tx2"/>
           </a:solidFill>
           <a:latin typeface="+mn-lt"/>
           <a:ea typeface="+mn-ea"/>
           <a:cs typeface="+mn-cs"/>
         </a:defRPr>
       </a:lvl1pPr>
-      <a:lvl2pPr marL="457200" indent="-182880" algn="l" defTabSz="914400" rtl="0" eaLnBrk="1" latinLnBrk="0" hangingPunct="1">
+      <a:lvl2pPr marL="914400" indent="-384048" algn="l" defTabSz="914400" rtl="0" eaLnBrk="1" latinLnBrk="0" hangingPunct="1">
         <a:lnSpc>
-          <a:spcPct val="90000"/>
+          <a:spcPct val="94000"/>
         </a:lnSpc>
         <a:spcBef>
-          <a:spcPts val="400"/>
+          <a:spcPts val="500"/>
         </a:spcBef>
         <a:spcAft>
           <a:spcPts val="200"/>
         </a:spcAft>
-        <a:buClr>
-          <a:schemeClr val="accent1">
-            <a:lumMod val="75000"/>
-          </a:schemeClr>
-        </a:buClr>
-        <a:buSzPct val="85000"/>
-        <a:buFont typeface="Wingdings" pitchFamily="2" charset="2"/>
-        <a:buChar char="§"/>
-        <a:defRPr sz="1800" kern="1200">
+        <a:buFont typeface="Franklin Gothic Book" panose="020B0503020102020204" pitchFamily="34" charset="0"/>
+        <a:buChar char="–"/>
+        <a:defRPr sz="2000" i="1" kern="1200" baseline="0">
           <a:solidFill>
-            <a:schemeClr val="tx1"/>
+            <a:schemeClr val="tx2"/>
           </a:solidFill>
           <a:latin typeface="+mn-lt"/>
           <a:ea typeface="+mn-ea"/>
           <a:cs typeface="+mn-cs"/>
         </a:defRPr>
       </a:lvl2pPr>
-      <a:lvl3pPr marL="731520" indent="-182880" algn="l" defTabSz="914400" rtl="0" eaLnBrk="1" latinLnBrk="0" hangingPunct="1">
+      <a:lvl3pPr marL="1371600" indent="-384048" algn="l" defTabSz="914400" rtl="0" eaLnBrk="1" latinLnBrk="0" hangingPunct="1">
         <a:lnSpc>
-          <a:spcPct val="90000"/>
+          <a:spcPct val="94000"/>
         </a:lnSpc>
         <a:spcBef>
-          <a:spcPts val="400"/>
+          <a:spcPts val="500"/>
         </a:spcBef>
         <a:spcAft>
           <a:spcPts val="200"/>
         </a:spcAft>
-        <a:buClr>
-          <a:schemeClr val="accent1">
-            <a:lumMod val="75000"/>
-          </a:schemeClr>
-        </a:buClr>
-        <a:buSzPct val="85000"/>
-        <a:buFont typeface="Wingdings" pitchFamily="2" charset="2"/>
-        <a:buChar char="§"/>
-        <a:defRPr sz="1600" kern="1200">
+        <a:buFont typeface="Franklin Gothic Book" panose="020B0503020102020204" pitchFamily="34" charset="0"/>
+        <a:buChar char="■"/>
+        <a:defRPr sz="1800" kern="1200" baseline="0">
           <a:solidFill>
-            <a:schemeClr val="tx1"/>
+            <a:schemeClr val="tx2"/>
           </a:solidFill>
           <a:latin typeface="+mn-lt"/>
           <a:ea typeface="+mn-ea"/>
           <a:cs typeface="+mn-cs"/>
         </a:defRPr>
       </a:lvl3pPr>
-      <a:lvl4pPr marL="1005840" indent="-182880" algn="l" defTabSz="914400" rtl="0" eaLnBrk="1" latinLnBrk="0" hangingPunct="1">
+      <a:lvl4pPr marL="1828800" indent="-384048" algn="l" defTabSz="914400" rtl="0" eaLnBrk="1" latinLnBrk="0" hangingPunct="1">
         <a:lnSpc>
-          <a:spcPct val="90000"/>
+          <a:spcPct val="94000"/>
         </a:lnSpc>
         <a:spcBef>
-          <a:spcPts val="400"/>
+          <a:spcPts val="500"/>
         </a:spcBef>
         <a:spcAft>
           <a:spcPts val="200"/>
         </a:spcAft>
-        <a:buClr>
-          <a:schemeClr val="accent1">
-            <a:lumMod val="75000"/>
-          </a:schemeClr>
-        </a:buClr>
-        <a:buSzPct val="85000"/>
-        <a:buFont typeface="Wingdings" pitchFamily="2" charset="2"/>
-        <a:buChar char="§"/>
-        <a:defRPr sz="1600" kern="1200">
+        <a:buFont typeface="Franklin Gothic Book" panose="020B0503020102020204" pitchFamily="34" charset="0"/>
+        <a:buChar char="–"/>
+        <a:defRPr sz="1800" i="1" kern="1200" baseline="0">
           <a:solidFill>
-            <a:schemeClr val="tx1"/>
+            <a:schemeClr val="tx2"/>
           </a:solidFill>
           <a:latin typeface="+mn-lt"/>
           <a:ea typeface="+mn-ea"/>
           <a:cs typeface="+mn-cs"/>
         </a:defRPr>
       </a:lvl4pPr>
-      <a:lvl5pPr marL="1280160" indent="-182880" algn="l" defTabSz="914400" rtl="0" eaLnBrk="1" latinLnBrk="0" hangingPunct="1">
+      <a:lvl5pPr marL="2286000" indent="-384048" algn="l" defTabSz="914400" rtl="0" eaLnBrk="1" latinLnBrk="0" hangingPunct="1">
         <a:lnSpc>
-          <a:spcPct val="90000"/>
+          <a:spcPct val="94000"/>
         </a:lnSpc>
         <a:spcBef>
-          <a:spcPts val="400"/>
+          <a:spcPts val="500"/>
         </a:spcBef>
         <a:spcAft>
           <a:spcPts val="200"/>
         </a:spcAft>
-        <a:buClr>
-          <a:schemeClr val="accent1">
-            <a:lumMod val="75000"/>
-          </a:schemeClr>
-        </a:buClr>
-        <a:buSzPct val="85000"/>
-        <a:buFont typeface="Wingdings" pitchFamily="2" charset="2"/>
-        <a:buChar char="§"/>
-        <a:defRPr sz="1600" kern="1200">
+        <a:buFont typeface="Franklin Gothic Book" panose="020B0503020102020204" pitchFamily="34" charset="0"/>
+        <a:buChar char="■"/>
+        <a:defRPr sz="1600" kern="1200" baseline="0">
           <a:solidFill>
-            <a:schemeClr val="tx1"/>
+            <a:schemeClr val="tx2"/>
           </a:solidFill>
           <a:latin typeface="+mn-lt"/>
           <a:ea typeface="+mn-ea"/>
           <a:cs typeface="+mn-cs"/>
         </a:defRPr>
       </a:lvl5pPr>
-      <a:lvl6pPr marL="1600000" indent="-228600" algn="l" defTabSz="914400" rtl="0" eaLnBrk="1" latinLnBrk="0" hangingPunct="1">
+      <a:lvl6pPr marL="2743200" indent="-384048" algn="l" defTabSz="914400" rtl="0" eaLnBrk="1" latinLnBrk="0" hangingPunct="1">
         <a:lnSpc>
-          <a:spcPct val="90000"/>
+          <a:spcPct val="94000"/>
         </a:lnSpc>
         <a:spcBef>
-          <a:spcPts val="400"/>
+          <a:spcPts val="500"/>
         </a:spcBef>
         <a:spcAft>
           <a:spcPts val="200"/>
         </a:spcAft>
-        <a:buClr>
-          <a:schemeClr val="accent1">
-            <a:lumMod val="75000"/>
-          </a:schemeClr>
-        </a:buClr>
-        <a:buSzPct val="85000"/>
-        <a:buFont typeface="Wingdings" pitchFamily="2" charset="2"/>
-        <a:buChar char="§"/>
-        <a:defRPr sz="1600" kern="1200">
+        <a:buFont typeface="Franklin Gothic Book" panose="020B0503020102020204" pitchFamily="34" charset="0"/>
+        <a:buChar char="–"/>
+        <a:defRPr sz="1600" i="1" kern="1200" baseline="0">
           <a:solidFill>
-            <a:schemeClr val="tx1"/>
+            <a:schemeClr val="tx2"/>
           </a:solidFill>
           <a:latin typeface="+mn-lt"/>
           <a:ea typeface="+mn-ea"/>
           <a:cs typeface="+mn-cs"/>
         </a:defRPr>
       </a:lvl6pPr>
-      <a:lvl7pPr marL="1900000" indent="-228600" algn="l" defTabSz="914400" rtl="0" eaLnBrk="1" latinLnBrk="0" hangingPunct="1">
+      <a:lvl7pPr marL="3200400" indent="-384048" algn="l" defTabSz="914400" rtl="0" eaLnBrk="1" latinLnBrk="0" hangingPunct="1">
         <a:lnSpc>
-          <a:spcPct val="90000"/>
+          <a:spcPct val="94000"/>
         </a:lnSpc>
         <a:spcBef>
-          <a:spcPts val="400"/>
+          <a:spcPts val="500"/>
         </a:spcBef>
         <a:spcAft>
           <a:spcPts val="200"/>
         </a:spcAft>
-        <a:buClr>
-          <a:schemeClr val="accent1">
-            <a:lumMod val="75000"/>
-          </a:schemeClr>
-        </a:buClr>
-        <a:buSzPct val="85000"/>
-        <a:buFont typeface="Wingdings" pitchFamily="2" charset="2"/>
-        <a:buChar char="§"/>
-        <a:defRPr sz="1600" kern="1200">
+        <a:buFont typeface="Franklin Gothic Book" panose="020B0503020102020204" pitchFamily="34" charset="0"/>
+        <a:buChar char="■"/>
+        <a:defRPr sz="1400" kern="1200" baseline="0">
           <a:solidFill>
-            <a:schemeClr val="tx1"/>
+            <a:schemeClr val="tx2"/>
           </a:solidFill>
           <a:latin typeface="+mn-lt"/>
           <a:ea typeface="+mn-ea"/>
           <a:cs typeface="+mn-cs"/>
         </a:defRPr>
       </a:lvl7pPr>
-      <a:lvl8pPr marL="2200000" indent="-228600" algn="l" defTabSz="914400" rtl="0" eaLnBrk="1" latinLnBrk="0" hangingPunct="1">
+      <a:lvl8pPr marL="3657600" indent="-384048" algn="l" defTabSz="914400" rtl="0" eaLnBrk="1" latinLnBrk="0" hangingPunct="1">
         <a:lnSpc>
-          <a:spcPct val="90000"/>
+          <a:spcPct val="94000"/>
         </a:lnSpc>
         <a:spcBef>
-          <a:spcPts val="400"/>
+          <a:spcPts val="500"/>
         </a:spcBef>
         <a:spcAft>
           <a:spcPts val="200"/>
         </a:spcAft>
-        <a:buClr>
-          <a:schemeClr val="accent1">
-            <a:lumMod val="75000"/>
-          </a:schemeClr>
-        </a:buClr>
-        <a:buSzPct val="85000"/>
-        <a:buFont typeface="Wingdings" pitchFamily="2" charset="2"/>
-        <a:buChar char="§"/>
-        <a:defRPr sz="1600" kern="1200">
+        <a:buFont typeface="Franklin Gothic Book" panose="020B0503020102020204" pitchFamily="34" charset="0"/>
+        <a:buChar char="–"/>
+        <a:defRPr sz="1400" i="1" kern="1200" baseline="0">
           <a:solidFill>
-            <a:schemeClr val="tx1"/>
+            <a:schemeClr val="tx2"/>
           </a:solidFill>
           <a:latin typeface="+mn-lt"/>
           <a:ea typeface="+mn-ea"/>
           <a:cs typeface="+mn-cs"/>
         </a:defRPr>
       </a:lvl8pPr>
-      <a:lvl9pPr marL="2500000" indent="-228600" algn="l" defTabSz="914400" rtl="0" eaLnBrk="1" latinLnBrk="0" hangingPunct="1">
+      <a:lvl9pPr marL="4114800" indent="-384048" algn="l" defTabSz="914400" rtl="0" eaLnBrk="1" latinLnBrk="0" hangingPunct="1">
         <a:lnSpc>
-          <a:spcPct val="90000"/>
+          <a:spcPct val="94000"/>
         </a:lnSpc>
         <a:spcBef>
-          <a:spcPts val="400"/>
+          <a:spcPts val="500"/>
         </a:spcBef>
         <a:spcAft>
           <a:spcPts val="200"/>
         </a:spcAft>
-        <a:buClr>
-          <a:schemeClr val="accent1">
-            <a:lumMod val="75000"/>
-          </a:schemeClr>
-        </a:buClr>
-        <a:buSzPct val="85000"/>
-        <a:buFont typeface="Wingdings" pitchFamily="2" charset="2"/>
-        <a:buChar char="§"/>
-        <a:defRPr sz="1600" kern="1200">
+        <a:buFont typeface="Franklin Gothic Book" panose="020B0503020102020204" pitchFamily="34" charset="0"/>
+        <a:buChar char="■"/>
+        <a:defRPr sz="1400" kern="1200" baseline="0">
           <a:solidFill>
-            <a:schemeClr val="tx1"/>
+            <a:schemeClr val="tx2"/>
           </a:solidFill>
           <a:latin typeface="+mn-lt"/>
           <a:ea typeface="+mn-ea"/>
@@ -4015,7 +3801,48 @@
   </p:txStyles>
   <p:extLst>
     <p:ext uri="{27BBF7A9-308A-43DC-89C8-2F10F3537804}">
-      <p15:sldGuideLst xmlns:p15="http://schemas.microsoft.com/office/powerpoint/2012/main"/>
+      <p15:sldGuideLst xmlns:p15="http://schemas.microsoft.com/office/powerpoint/2012/main">
+        <p15:guide id="3" orient="horz" pos="1368">
+          <p15:clr>
+            <a:srgbClr val="F26B43"/>
+          </p15:clr>
+        </p15:guide>
+        <p15:guide id="4" orient="horz" pos="1440">
+          <p15:clr>
+            <a:srgbClr val="F26B43"/>
+          </p15:clr>
+        </p15:guide>
+        <p15:guide id="6" orient="horz" pos="3696">
+          <p15:clr>
+            <a:srgbClr val="F26B43"/>
+          </p15:clr>
+        </p15:guide>
+        <p15:guide id="7" orient="horz" pos="432">
+          <p15:clr>
+            <a:srgbClr val="F26B43"/>
+          </p15:clr>
+        </p15:guide>
+        <p15:guide id="8" orient="horz" pos="1512">
+          <p15:clr>
+            <a:srgbClr val="F26B43"/>
+          </p15:clr>
+        </p15:guide>
+        <p15:guide id="9" pos="6912">
+          <p15:clr>
+            <a:srgbClr val="F26B43"/>
+          </p15:clr>
+        </p15:guide>
+        <p15:guide id="10" pos="936">
+          <p15:clr>
+            <a:srgbClr val="F26B43"/>
+          </p15:clr>
+        </p15:guide>
+        <p15:guide id="11" pos="864">
+          <p15:clr>
+            <a:srgbClr val="F26B43"/>
+          </p15:clr>
+        </p15:guide>
+      </p15:sldGuideLst>
     </p:ext>
   </p:extLst>
 </p:sldMaster>
@@ -4298,7 +4125,7 @@
             <a:r>
               <a:rPr lang="en-IN" b="1" i="1" dirty="0">
                 <a:solidFill>
-                  <a:schemeClr val="accent2">
+                  <a:schemeClr val="accent3">
                     <a:lumMod val="75000"/>
                   </a:schemeClr>
                 </a:solidFill>
@@ -4314,7 +4141,7 @@
             </a:pPr>
             <a:endParaRPr lang="en-IN" dirty="0">
               <a:solidFill>
-                <a:schemeClr val="accent2">
+                <a:schemeClr val="accent3">
                   <a:lumMod val="75000"/>
                 </a:schemeClr>
               </a:solidFill>
@@ -4327,7 +4154,7 @@
             <a:r>
               <a:rPr lang="en-IN" dirty="0">
                 <a:solidFill>
-                  <a:schemeClr val="accent2">
+                  <a:schemeClr val="accent3">
                     <a:lumMod val="75000"/>
                   </a:schemeClr>
                 </a:solidFill>
@@ -4350,10 +4177,480 @@
 </p:sld>
 </file>
 
+<file path=ppt/slides/slide3.xml><?xml version="1.0" encoding="utf-8"?>
+<p:sld xmlns:a="http://schemas.openxmlformats.org/drawingml/2006/main" xmlns:r="http://schemas.openxmlformats.org/officeDocument/2006/relationships" xmlns:p="http://schemas.openxmlformats.org/presentationml/2006/main">
+  <p:cSld>
+    <p:spTree>
+      <p:nvGrpSpPr>
+        <p:cNvPr id="1" name=""/>
+        <p:cNvGrpSpPr/>
+        <p:nvPr/>
+      </p:nvGrpSpPr>
+      <p:grpSpPr>
+        <a:xfrm>
+          <a:off x="0" y="0"/>
+          <a:ext cx="0" cy="0"/>
+          <a:chOff x="0" y="0"/>
+          <a:chExt cx="0" cy="0"/>
+        </a:xfrm>
+      </p:grpSpPr>
+      <p:sp>
+        <p:nvSpPr>
+          <p:cNvPr id="2" name="Title 1">
+            <a:extLst>
+              <a:ext uri="{FF2B5EF4-FFF2-40B4-BE49-F238E27FC236}">
+                <a16:creationId xmlns:a16="http://schemas.microsoft.com/office/drawing/2014/main" id="{9B33BE37-46D5-4490-AC9D-2D94D7CDDDC3}"/>
+              </a:ext>
+            </a:extLst>
+          </p:cNvPr>
+          <p:cNvSpPr>
+            <a:spLocks noGrp="1"/>
+          </p:cNvSpPr>
+          <p:nvPr>
+            <p:ph type="title"/>
+          </p:nvPr>
+        </p:nvSpPr>
+        <p:spPr>
+          <a:xfrm>
+            <a:off x="1371600" y="685800"/>
+            <a:ext cx="9601200" cy="1019175"/>
+          </a:xfrm>
+        </p:spPr>
+        <p:txBody>
+          <a:bodyPr>
+            <a:normAutofit/>
+          </a:bodyPr>
+          <a:lstStyle/>
+          <a:p>
+            <a:pPr algn="ctr"/>
+            <a:r>
+              <a:rPr lang="en-IN" sz="6600" dirty="0">
+                <a:latin typeface="Bahnschrift SemiBold SemiConden" panose="020B0502040204020203" pitchFamily="34" charset="0"/>
+              </a:rPr>
+              <a:t>FRONT-END</a:t>
+            </a:r>
+          </a:p>
+        </p:txBody>
+      </p:sp>
+      <p:sp>
+        <p:nvSpPr>
+          <p:cNvPr id="5" name="TextBox 4">
+            <a:extLst>
+              <a:ext uri="{FF2B5EF4-FFF2-40B4-BE49-F238E27FC236}">
+                <a16:creationId xmlns:a16="http://schemas.microsoft.com/office/drawing/2014/main" id="{869D2678-7FC3-47BD-907C-0C4240002936}"/>
+              </a:ext>
+            </a:extLst>
+          </p:cNvPr>
+          <p:cNvSpPr txBox="1"/>
+          <p:nvPr/>
+        </p:nvSpPr>
+        <p:spPr>
+          <a:xfrm>
+            <a:off x="1914525" y="2085975"/>
+            <a:ext cx="9229725" cy="4247317"/>
+          </a:xfrm>
+          <a:prstGeom prst="rect">
+            <a:avLst/>
+          </a:prstGeom>
+          <a:noFill/>
+        </p:spPr>
+        <p:txBody>
+          <a:bodyPr wrap="square" rtlCol="0">
+            <a:spAutoFit/>
+          </a:bodyPr>
+          <a:lstStyle/>
+          <a:p>
+            <a:r>
+              <a:rPr lang="en-IN" dirty="0"/>
+              <a:t>For the frontend, we’ve used HTML, CSS, JS along with Bootstrap and jQuery to enhance the pages and make our website more dynamic and responsive. Our frontend consists of the following web pages (each having one of two consistent themes):</a:t>
+            </a:r>
+          </a:p>
+          <a:p>
+            <a:pPr marL="285750" indent="-285750">
+              <a:buFont typeface="Arial" panose="020B0604020202020204" pitchFamily="34" charset="0"/>
+              <a:buChar char="•"/>
+            </a:pPr>
+            <a:r>
+              <a:rPr lang="en-IN" dirty="0"/>
+              <a:t>Login</a:t>
+            </a:r>
+          </a:p>
+          <a:p>
+            <a:pPr marL="285750" indent="-285750">
+              <a:buFont typeface="Arial" panose="020B0604020202020204" pitchFamily="34" charset="0"/>
+              <a:buChar char="•"/>
+            </a:pPr>
+            <a:r>
+              <a:rPr lang="en-IN" dirty="0"/>
+              <a:t>Signup</a:t>
+            </a:r>
+          </a:p>
+          <a:p>
+            <a:pPr marL="285750" indent="-285750">
+              <a:buFont typeface="Arial" panose="020B0604020202020204" pitchFamily="34" charset="0"/>
+              <a:buChar char="•"/>
+            </a:pPr>
+            <a:r>
+              <a:rPr lang="en-IN" dirty="0"/>
+              <a:t>Homepage</a:t>
+            </a:r>
+          </a:p>
+          <a:p>
+            <a:pPr marL="285750" indent="-285750">
+              <a:buFont typeface="Arial" panose="020B0604020202020204" pitchFamily="34" charset="0"/>
+              <a:buChar char="•"/>
+            </a:pPr>
+            <a:r>
+              <a:rPr lang="en-IN" dirty="0"/>
+              <a:t>About page/Contact Us</a:t>
+            </a:r>
+          </a:p>
+          <a:p>
+            <a:pPr marL="285750" indent="-285750">
+              <a:buFont typeface="Arial" panose="020B0604020202020204" pitchFamily="34" charset="0"/>
+              <a:buChar char="•"/>
+            </a:pPr>
+            <a:r>
+              <a:rPr lang="en-IN" dirty="0"/>
+              <a:t>FAQs</a:t>
+            </a:r>
+          </a:p>
+          <a:p>
+            <a:pPr marL="285750" indent="-285750">
+              <a:buFont typeface="Arial" panose="020B0604020202020204" pitchFamily="34" charset="0"/>
+              <a:buChar char="•"/>
+            </a:pPr>
+            <a:r>
+              <a:rPr lang="en-IN" dirty="0"/>
+              <a:t>Host Tournament</a:t>
+            </a:r>
+          </a:p>
+          <a:p>
+            <a:pPr marL="285750" indent="-285750">
+              <a:buFont typeface="Arial" panose="020B0604020202020204" pitchFamily="34" charset="0"/>
+              <a:buChar char="•"/>
+            </a:pPr>
+            <a:r>
+              <a:rPr lang="en-IN" dirty="0"/>
+              <a:t>Edit Tournament</a:t>
+            </a:r>
+          </a:p>
+          <a:p>
+            <a:pPr marL="742950" lvl="1" indent="-285750">
+              <a:buFont typeface="Arial" panose="020B0604020202020204" pitchFamily="34" charset="0"/>
+              <a:buChar char="•"/>
+            </a:pPr>
+            <a:r>
+              <a:rPr lang="en-IN" dirty="0"/>
+              <a:t>Update Score</a:t>
+            </a:r>
+          </a:p>
+          <a:p>
+            <a:pPr marL="742950" lvl="1" indent="-285750">
+              <a:buFont typeface="Arial" panose="020B0604020202020204" pitchFamily="34" charset="0"/>
+              <a:buChar char="•"/>
+            </a:pPr>
+            <a:r>
+              <a:rPr lang="en-IN" dirty="0"/>
+              <a:t>Upload rulebook</a:t>
+            </a:r>
+          </a:p>
+          <a:p>
+            <a:pPr marL="285750" indent="-285750">
+              <a:buFont typeface="Arial" panose="020B0604020202020204" pitchFamily="34" charset="0"/>
+              <a:buChar char="•"/>
+            </a:pPr>
+            <a:r>
+              <a:rPr lang="en-IN" dirty="0"/>
+              <a:t>Join Tournament</a:t>
+            </a:r>
+          </a:p>
+          <a:p>
+            <a:pPr marL="742950" lvl="1" indent="-285750">
+              <a:buFont typeface="Arial" panose="020B0604020202020204" pitchFamily="34" charset="0"/>
+              <a:buChar char="•"/>
+            </a:pPr>
+            <a:r>
+              <a:rPr lang="en-IN" dirty="0"/>
+              <a:t>Registration Form</a:t>
+            </a:r>
+          </a:p>
+          <a:p>
+            <a:pPr marL="285750" indent="-285750">
+              <a:buFont typeface="Arial" panose="020B0604020202020204" pitchFamily="34" charset="0"/>
+              <a:buChar char="•"/>
+            </a:pPr>
+            <a:r>
+              <a:rPr lang="en-IN" dirty="0" err="1"/>
+              <a:t>MyProfile</a:t>
+            </a:r>
+            <a:endParaRPr lang="en-IN" dirty="0"/>
+          </a:p>
+        </p:txBody>
+      </p:sp>
+    </p:spTree>
+    <p:extLst>
+      <p:ext uri="{BB962C8B-B14F-4D97-AF65-F5344CB8AC3E}">
+        <p14:creationId xmlns:p14="http://schemas.microsoft.com/office/powerpoint/2010/main" val="1882697954"/>
+      </p:ext>
+    </p:extLst>
+  </p:cSld>
+  <p:clrMapOvr>
+    <a:masterClrMapping/>
+  </p:clrMapOvr>
+</p:sld>
+</file>
+
+<file path=ppt/slides/slide4.xml><?xml version="1.0" encoding="utf-8"?>
+<p:sld xmlns:a="http://schemas.openxmlformats.org/drawingml/2006/main" xmlns:r="http://schemas.openxmlformats.org/officeDocument/2006/relationships" xmlns:p="http://schemas.openxmlformats.org/presentationml/2006/main">
+  <p:cSld>
+    <p:spTree>
+      <p:nvGrpSpPr>
+        <p:cNvPr id="1" name=""/>
+        <p:cNvGrpSpPr/>
+        <p:nvPr/>
+      </p:nvGrpSpPr>
+      <p:grpSpPr>
+        <a:xfrm>
+          <a:off x="0" y="0"/>
+          <a:ext cx="0" cy="0"/>
+          <a:chOff x="0" y="0"/>
+          <a:chExt cx="0" cy="0"/>
+        </a:xfrm>
+      </p:grpSpPr>
+      <p:sp>
+        <p:nvSpPr>
+          <p:cNvPr id="2" name="Title 1">
+            <a:extLst>
+              <a:ext uri="{FF2B5EF4-FFF2-40B4-BE49-F238E27FC236}">
+                <a16:creationId xmlns:a16="http://schemas.microsoft.com/office/drawing/2014/main" id="{B666CF85-636A-4D9E-9884-4692B68D04EA}"/>
+              </a:ext>
+            </a:extLst>
+          </p:cNvPr>
+          <p:cNvSpPr>
+            <a:spLocks noGrp="1"/>
+          </p:cNvSpPr>
+          <p:nvPr>
+            <p:ph type="title"/>
+          </p:nvPr>
+        </p:nvSpPr>
+        <p:spPr>
+          <a:xfrm>
+            <a:off x="1362074" y="228600"/>
+            <a:ext cx="10067925" cy="1485900"/>
+          </a:xfrm>
+        </p:spPr>
+        <p:txBody>
+          <a:bodyPr>
+            <a:normAutofit fontScale="90000"/>
+          </a:bodyPr>
+          <a:lstStyle/>
+          <a:p>
+            <a:pPr algn="ctr"/>
+            <a:r>
+              <a:rPr lang="en-IN" sz="6000" dirty="0"/>
+              <a:t>Login</a:t>
+            </a:r>
+            <a:br>
+              <a:rPr lang="en-IN" sz="6000" dirty="0"/>
+            </a:br>
+            <a:br>
+              <a:rPr lang="en-IN" sz="2000" dirty="0"/>
+            </a:br>
+            <a:r>
+              <a:rPr lang="en-IN" sz="2800" dirty="0"/>
+              <a:t>(Login and Signup pages use the same theme)</a:t>
+            </a:r>
+          </a:p>
+        </p:txBody>
+      </p:sp>
+      <p:pic>
+        <p:nvPicPr>
+          <p:cNvPr id="5" name="Content Placeholder 4">
+            <a:extLst>
+              <a:ext uri="{FF2B5EF4-FFF2-40B4-BE49-F238E27FC236}">
+                <a16:creationId xmlns:a16="http://schemas.microsoft.com/office/drawing/2014/main" id="{754F89A7-BB78-4101-98D3-427F96E7B978}"/>
+              </a:ext>
+            </a:extLst>
+          </p:cNvPr>
+          <p:cNvPicPr>
+            <a:picLocks noGrp="1" noChangeAspect="1"/>
+          </p:cNvPicPr>
+          <p:nvPr>
+            <p:ph idx="1"/>
+          </p:nvPr>
+        </p:nvPicPr>
+        <p:blipFill>
+          <a:blip r:embed="rId2">
+            <a:extLst>
+              <a:ext uri="{28A0092B-C50C-407E-A947-70E740481C1C}">
+                <a14:useLocalDpi xmlns:a14="http://schemas.microsoft.com/office/drawing/2010/main" val="0"/>
+              </a:ext>
+            </a:extLst>
+          </a:blip>
+          <a:stretch>
+            <a:fillRect/>
+          </a:stretch>
+        </p:blipFill>
+        <p:spPr>
+          <a:xfrm>
+            <a:off x="965352" y="2124075"/>
+            <a:ext cx="5430684" cy="2609850"/>
+          </a:xfrm>
+        </p:spPr>
+      </p:pic>
+      <p:pic>
+        <p:nvPicPr>
+          <p:cNvPr id="7" name="Picture 6">
+            <a:extLst>
+              <a:ext uri="{FF2B5EF4-FFF2-40B4-BE49-F238E27FC236}">
+                <a16:creationId xmlns:a16="http://schemas.microsoft.com/office/drawing/2014/main" id="{EBF77BE8-E3B4-4567-932A-F8F136B37DA4}"/>
+              </a:ext>
+            </a:extLst>
+          </p:cNvPr>
+          <p:cNvPicPr>
+            <a:picLocks noChangeAspect="1"/>
+          </p:cNvPicPr>
+          <p:nvPr/>
+        </p:nvPicPr>
+        <p:blipFill>
+          <a:blip r:embed="rId3">
+            <a:extLst>
+              <a:ext uri="{28A0092B-C50C-407E-A947-70E740481C1C}">
+                <a14:useLocalDpi xmlns:a14="http://schemas.microsoft.com/office/drawing/2010/main" val="0"/>
+              </a:ext>
+            </a:extLst>
+          </a:blip>
+          <a:stretch>
+            <a:fillRect/>
+          </a:stretch>
+        </p:blipFill>
+        <p:spPr>
+          <a:xfrm>
+            <a:off x="6567798" y="3714750"/>
+            <a:ext cx="5390838" cy="2609850"/>
+          </a:xfrm>
+          <a:prstGeom prst="rect">
+            <a:avLst/>
+          </a:prstGeom>
+        </p:spPr>
+      </p:pic>
+    </p:spTree>
+    <p:extLst>
+      <p:ext uri="{BB962C8B-B14F-4D97-AF65-F5344CB8AC3E}">
+        <p14:creationId xmlns:p14="http://schemas.microsoft.com/office/powerpoint/2010/main" val="1011686040"/>
+      </p:ext>
+    </p:extLst>
+  </p:cSld>
+  <p:clrMapOvr>
+    <a:masterClrMapping/>
+  </p:clrMapOvr>
+</p:sld>
+</file>
+
+<file path=ppt/slides/slide5.xml><?xml version="1.0" encoding="utf-8"?>
+<p:sld xmlns:a="http://schemas.openxmlformats.org/drawingml/2006/main" xmlns:r="http://schemas.openxmlformats.org/officeDocument/2006/relationships" xmlns:p="http://schemas.openxmlformats.org/presentationml/2006/main">
+  <p:cSld>
+    <p:spTree>
+      <p:nvGrpSpPr>
+        <p:cNvPr id="1" name=""/>
+        <p:cNvGrpSpPr/>
+        <p:nvPr/>
+      </p:nvGrpSpPr>
+      <p:grpSpPr>
+        <a:xfrm>
+          <a:off x="0" y="0"/>
+          <a:ext cx="0" cy="0"/>
+          <a:chOff x="0" y="0"/>
+          <a:chExt cx="0" cy="0"/>
+        </a:xfrm>
+      </p:grpSpPr>
+      <p:sp>
+        <p:nvSpPr>
+          <p:cNvPr id="2" name="Title 1">
+            <a:extLst>
+              <a:ext uri="{FF2B5EF4-FFF2-40B4-BE49-F238E27FC236}">
+                <a16:creationId xmlns:a16="http://schemas.microsoft.com/office/drawing/2014/main" id="{C91A3F2C-1E61-444F-A72B-5FEB1B10135F}"/>
+              </a:ext>
+            </a:extLst>
+          </p:cNvPr>
+          <p:cNvSpPr>
+            <a:spLocks noGrp="1"/>
+          </p:cNvSpPr>
+          <p:nvPr>
+            <p:ph type="title"/>
+          </p:nvPr>
+        </p:nvSpPr>
+        <p:spPr>
+          <a:xfrm>
+            <a:off x="1371600" y="295275"/>
+            <a:ext cx="9944100" cy="1876425"/>
+          </a:xfrm>
+        </p:spPr>
+        <p:txBody>
+          <a:bodyPr>
+            <a:normAutofit/>
+          </a:bodyPr>
+          <a:lstStyle/>
+          <a:p>
+            <a:pPr algn="ctr"/>
+            <a:r>
+              <a:rPr lang="en-IN" sz="5400" dirty="0"/>
+              <a:t>HOME PAGE </a:t>
+            </a:r>
+            <a:br>
+              <a:rPr lang="en-IN" sz="5400" dirty="0"/>
+            </a:br>
+            <a:r>
+              <a:rPr lang="en-IN" sz="2400" dirty="0"/>
+              <a:t>The homepage uses a different theme than the one used for Login/Signup. The rest of the webpages also follow this theme.</a:t>
+            </a:r>
+            <a:endParaRPr lang="en-IN" sz="5400" dirty="0"/>
+          </a:p>
+        </p:txBody>
+      </p:sp>
+      <p:sp>
+        <p:nvSpPr>
+          <p:cNvPr id="3" name="Content Placeholder 2">
+            <a:extLst>
+              <a:ext uri="{FF2B5EF4-FFF2-40B4-BE49-F238E27FC236}">
+                <a16:creationId xmlns:a16="http://schemas.microsoft.com/office/drawing/2014/main" id="{1E6BC86A-FB05-4A06-92B6-FA8742C99251}"/>
+              </a:ext>
+            </a:extLst>
+          </p:cNvPr>
+          <p:cNvSpPr>
+            <a:spLocks noGrp="1"/>
+          </p:cNvSpPr>
+          <p:nvPr>
+            <p:ph idx="1"/>
+          </p:nvPr>
+        </p:nvSpPr>
+        <p:spPr/>
+        <p:txBody>
+          <a:bodyPr/>
+          <a:lstStyle/>
+          <a:p>
+            <a:endParaRPr lang="en-IN" dirty="0"/>
+          </a:p>
+        </p:txBody>
+      </p:sp>
+    </p:spTree>
+    <p:extLst>
+      <p:ext uri="{BB962C8B-B14F-4D97-AF65-F5344CB8AC3E}">
+        <p14:creationId xmlns:p14="http://schemas.microsoft.com/office/powerpoint/2010/main" val="1677906298"/>
+      </p:ext>
+    </p:extLst>
+  </p:cSld>
+  <p:clrMapOvr>
+    <a:masterClrMapping/>
+  </p:clrMapOvr>
+</p:sld>
+</file>
+
 <file path=ppt/theme/theme1.xml><?xml version="1.0" encoding="utf-8"?>
-<a:theme xmlns:a="http://schemas.openxmlformats.org/drawingml/2006/main" name="Wood Type">
+<a:theme xmlns:a="http://schemas.openxmlformats.org/drawingml/2006/main" name="Crop">
   <a:themeElements>
-    <a:clrScheme name="Wood Type">
+    <a:clrScheme name="Crop">
       <a:dk1>
         <a:sysClr val="windowText" lastClr="000000"/>
       </a:dk1>
@@ -4361,54 +4658,52 @@
         <a:sysClr val="window" lastClr="FFFFFF"/>
       </a:lt1>
       <a:dk2>
-        <a:srgbClr val="696464"/>
+        <a:srgbClr val="191B0E"/>
       </a:dk2>
       <a:lt2>
-        <a:srgbClr val="E9E5DC"/>
+        <a:srgbClr val="EFEDE3"/>
       </a:lt2>
       <a:accent1>
-        <a:srgbClr val="D34817"/>
+        <a:srgbClr val="8C8D86"/>
       </a:accent1>
       <a:accent2>
-        <a:srgbClr val="9B2D1F"/>
+        <a:srgbClr val="E6C069"/>
       </a:accent2>
       <a:accent3>
-        <a:srgbClr val="A28E6A"/>
+        <a:srgbClr val="897B61"/>
       </a:accent3>
       <a:accent4>
-        <a:srgbClr val="956251"/>
+        <a:srgbClr val="8DAB8E"/>
       </a:accent4>
       <a:accent5>
-        <a:srgbClr val="918485"/>
+        <a:srgbClr val="77A2BB"/>
       </a:accent5>
       <a:accent6>
-        <a:srgbClr val="855D5D"/>
+        <a:srgbClr val="E28394"/>
       </a:accent6>
       <a:hlink>
-        <a:srgbClr val="CC9900"/>
+        <a:srgbClr val="77A2BB"/>
       </a:hlink>
       <a:folHlink>
-        <a:srgbClr val="96A9A9"/>
+        <a:srgbClr val="957A99"/>
       </a:folHlink>
     </a:clrScheme>
-    <a:fontScheme name="Wood Type">
+    <a:fontScheme name="Crop">
       <a:majorFont>
-        <a:latin typeface="Rockwell Condensed" panose="02060603050405020104"/>
+        <a:latin typeface="Franklin Gothic Book" panose="020B0503020102020204"/>
         <a:ea typeface=""/>
         <a:cs typeface=""/>
-        <a:font script="Grek" typeface="Cambria"/>
-        <a:font script="Cyrl" typeface="Cambria"/>
-        <a:font script="Jpan" typeface="HG明朝B"/>
-        <a:font script="Hang" typeface="바탕"/>
-        <a:font script="Hans" typeface="方正姚体"/>
+        <a:font script="Jpan" typeface="メイリオ"/>
+        <a:font script="Hang" typeface="돋움"/>
+        <a:font script="Hans" typeface="华文楷体"/>
         <a:font script="Hant" typeface="微軟正黑體"/>
-        <a:font script="Arab" typeface="Times New Roman"/>
-        <a:font script="Hebr" typeface="David"/>
-        <a:font script="Thai" typeface="JasmineUPC"/>
+        <a:font script="Arab" typeface="Tahoma"/>
+        <a:font script="Hebr" typeface="Aharoni"/>
+        <a:font script="Thai" typeface="LilyUPC"/>
         <a:font script="Ethi" typeface="Nyala"/>
         <a:font script="Beng" typeface="Vrinda"/>
         <a:font script="Gujr" typeface="Shruti"/>
-        <a:font script="Khmr" typeface="MoolBoran"/>
+        <a:font script="Khmr" typeface="DaunPenh"/>
         <a:font script="Knda" typeface="Tunga"/>
         <a:font script="Guru" typeface="Raavi"/>
         <a:font script="Cans" typeface="Euphemia"/>
@@ -4425,26 +4720,25 @@
         <a:font script="Laoo" typeface="DokChampa"/>
         <a:font script="Sinh" typeface="Iskoola Pota"/>
         <a:font script="Mong" typeface="Mongolian Baiti"/>
-        <a:font script="Viet" typeface="Arial"/>
+        <a:font script="Viet" typeface="Tahoma"/>
         <a:font script="Uigh" typeface="Microsoft Uighur"/>
+        <a:font script="Geor" typeface="Sylfaen"/>
       </a:majorFont>
       <a:minorFont>
-        <a:latin typeface="Rockwell" panose="02060603020205020403"/>
+        <a:latin typeface="Franklin Gothic Book" panose="020B0503020102020204"/>
         <a:ea typeface=""/>
         <a:cs typeface=""/>
-        <a:font script="Grek" typeface="Cambria"/>
-        <a:font script="Cyrl" typeface="Cambria"/>
-        <a:font script="Jpan" typeface="HG明朝B"/>
-        <a:font script="Hang" typeface="바탕"/>
-        <a:font script="Hans" typeface="方正姚体"/>
-        <a:font script="Hant" typeface="標楷體"/>
-        <a:font script="Arab" typeface="Times New Roman"/>
-        <a:font script="Hebr" typeface="David"/>
-        <a:font script="Thai" typeface="JasmineUPC"/>
+        <a:font script="Jpan" typeface="メイリオ"/>
+        <a:font script="Hang" typeface="돋움"/>
+        <a:font script="Hans" typeface="华文楷体"/>
+        <a:font script="Hant" typeface="微軟正黑體"/>
+        <a:font script="Arab" typeface="Tahoma"/>
+        <a:font script="Hebr" typeface="Aharoni"/>
+        <a:font script="Thai" typeface="LilyUPC"/>
         <a:font script="Ethi" typeface="Nyala"/>
         <a:font script="Beng" typeface="Vrinda"/>
         <a:font script="Gujr" typeface="Shruti"/>
-        <a:font script="Khmr" typeface="MoolBoran"/>
+        <a:font script="Khmr" typeface="DaunPenh"/>
         <a:font script="Knda" typeface="Tunga"/>
         <a:font script="Guru" typeface="Raavi"/>
         <a:font script="Cans" typeface="Euphemia"/>
@@ -4461,59 +4755,83 @@
         <a:font script="Laoo" typeface="DokChampa"/>
         <a:font script="Sinh" typeface="Iskoola Pota"/>
         <a:font script="Mong" typeface="Mongolian Baiti"/>
-        <a:font script="Viet" typeface="Times New Roman"/>
+        <a:font script="Viet" typeface="Tahoma"/>
         <a:font script="Uigh" typeface="Microsoft Uighur"/>
+        <a:font script="Geor" typeface="Sylfaen"/>
       </a:minorFont>
     </a:fontScheme>
-    <a:fmtScheme name="Wood Type">
+    <a:fmtScheme name="Crop">
       <a:fillStyleLst>
         <a:solidFill>
           <a:schemeClr val="phClr"/>
         </a:solidFill>
-        <a:blipFill rotWithShape="1">
-          <a:blip xmlns:r="http://schemas.openxmlformats.org/officeDocument/2006/relationships" r:embed="rId1">
-            <a:duotone>
+        <a:gradFill rotWithShape="1">
+          <a:gsLst>
+            <a:gs pos="0">
               <a:schemeClr val="phClr">
-                <a:tint val="70000"/>
-                <a:shade val="63000"/>
+                <a:tint val="67000"/>
+                <a:satMod val="105000"/>
+                <a:lumMod val="110000"/>
               </a:schemeClr>
+            </a:gs>
+            <a:gs pos="50000">
               <a:schemeClr val="phClr">
-                <a:tint val="10000"/>
-                <a:satMod val="150000"/>
+                <a:tint val="73000"/>
+                <a:satMod val="103000"/>
+                <a:lumMod val="105000"/>
               </a:schemeClr>
-            </a:duotone>
-          </a:blip>
-          <a:tile tx="0" ty="0" sx="60000" sy="59000" flip="none" algn="tl"/>
-        </a:blipFill>
-        <a:blipFill rotWithShape="1">
-          <a:blip xmlns:r="http://schemas.openxmlformats.org/officeDocument/2006/relationships" r:embed="rId1">
-            <a:duotone>
+            </a:gs>
+            <a:gs pos="100000">
               <a:schemeClr val="phClr">
-                <a:shade val="36000"/>
+                <a:tint val="81000"/>
+                <a:satMod val="109000"/>
+                <a:lumMod val="105000"/>
+              </a:schemeClr>
+            </a:gs>
+          </a:gsLst>
+          <a:lin ang="5400000" scaled="0"/>
+        </a:gradFill>
+        <a:gradFill rotWithShape="1">
+          <a:gsLst>
+            <a:gs pos="0">
+              <a:schemeClr val="phClr">
+                <a:tint val="94000"/>
+                <a:satMod val="103000"/>
+                <a:lumMod val="102000"/>
+              </a:schemeClr>
+            </a:gs>
+            <a:gs pos="50000">
+              <a:schemeClr val="phClr">
+                <a:shade val="100000"/>
+                <a:satMod val="110000"/>
+                <a:lumMod val="100000"/>
+              </a:schemeClr>
+            </a:gs>
+            <a:gs pos="100000">
+              <a:schemeClr val="phClr">
+                <a:shade val="78000"/>
                 <a:satMod val="120000"/>
+                <a:lumMod val="99000"/>
               </a:schemeClr>
-              <a:schemeClr val="phClr">
-                <a:tint val="40000"/>
-              </a:schemeClr>
-            </a:duotone>
-          </a:blip>
-          <a:tile tx="0" ty="0" sx="60000" sy="59000" flip="none" algn="tl"/>
-        </a:blipFill>
+            </a:gs>
+          </a:gsLst>
+          <a:lin ang="5400000" scaled="0"/>
+        </a:gradFill>
       </a:fillStyleLst>
       <a:lnStyleLst>
-        <a:ln w="6350" cap="flat" cmpd="sng" algn="ctr">
+        <a:ln w="6350" cap="flat" cmpd="sng" algn="in">
           <a:solidFill>
             <a:schemeClr val="phClr"/>
           </a:solidFill>
           <a:prstDash val="solid"/>
         </a:ln>
-        <a:ln w="12700" cap="flat" cmpd="sng" algn="ctr">
+        <a:ln w="34925" cap="flat" cmpd="sng" algn="in">
           <a:solidFill>
             <a:schemeClr val="phClr"/>
           </a:solidFill>
           <a:prstDash val="solid"/>
         </a:ln>
-        <a:ln w="19050" cap="flat" cmpd="sng" algn="ctr">
+        <a:ln w="19050" cap="flat" cmpd="sng" algn="in">
           <a:solidFill>
             <a:schemeClr val="phClr"/>
           </a:solidFill>
@@ -4525,18 +4843,15 @@
           <a:effectLst/>
         </a:effectStyle>
         <a:effectStyle>
-          <a:effectLst>
-            <a:softEdge rad="12700"/>
-          </a:effectLst>
+          <a:effectLst/>
         </a:effectStyle>
         <a:effectStyle>
           <a:effectLst>
-            <a:outerShdw blurRad="50800" dist="19050" dir="5400000" algn="tl" rotWithShape="0">
+            <a:outerShdw blurRad="57150" dist="19050" dir="5400000" algn="ctr" rotWithShape="0">
               <a:srgbClr val="000000">
-                <a:alpha val="60000"/>
+                <a:alpha val="35000"/>
               </a:srgbClr>
             </a:outerShdw>
-            <a:softEdge rad="12700"/>
           </a:effectLst>
         </a:effectStyle>
       </a:effectStyleLst>
@@ -4546,26 +4861,37 @@
         </a:solidFill>
         <a:solidFill>
           <a:schemeClr val="phClr">
-            <a:shade val="97000"/>
-            <a:satMod val="150000"/>
+            <a:tint val="95000"/>
+            <a:satMod val="170000"/>
           </a:schemeClr>
         </a:solidFill>
-        <a:blipFill rotWithShape="1">
-          <a:blip xmlns:r="http://schemas.openxmlformats.org/officeDocument/2006/relationships" r:embed="rId1">
-            <a:duotone>
+        <a:gradFill rotWithShape="1">
+          <a:gsLst>
+            <a:gs pos="0">
               <a:schemeClr val="phClr">
-                <a:tint val="75000"/>
-                <a:shade val="58000"/>
+                <a:tint val="93000"/>
+                <a:shade val="98000"/>
+                <a:satMod val="150000"/>
+                <a:lumMod val="102000"/>
+              </a:schemeClr>
+            </a:gs>
+            <a:gs pos="50000">
+              <a:schemeClr val="phClr">
+                <a:tint val="98000"/>
+                <a:shade val="90000"/>
+                <a:satMod val="130000"/>
+                <a:lumMod val="103000"/>
+              </a:schemeClr>
+            </a:gs>
+            <a:gs pos="100000">
+              <a:schemeClr val="phClr">
+                <a:shade val="63000"/>
                 <a:satMod val="120000"/>
               </a:schemeClr>
-              <a:schemeClr val="phClr">
-                <a:tint val="50000"/>
-                <a:shade val="96000"/>
-              </a:schemeClr>
-            </a:duotone>
-          </a:blip>
-          <a:tile tx="0" ty="0" sx="100000" sy="100000" flip="none" algn="tl"/>
-        </a:blipFill>
+            </a:gs>
+          </a:gsLst>
+          <a:lin ang="5400000" scaled="0"/>
+        </a:gradFill>
       </a:bgFillStyleLst>
     </a:fmtScheme>
   </a:themeElements>
@@ -4573,7 +4899,7 @@
   <a:extraClrSchemeLst/>
   <a:extLst>
     <a:ext uri="{05A4C25C-085E-4340-85A3-A5531E510DB2}">
-      <thm15:themeFamily xmlns:thm15="http://schemas.microsoft.com/office/thememl/2012/main" name="Wood Type" id="{7ACABC62-BF99-48CF-A9DC-4DB89C7B13DC}" vid="{142A1326-48AB-42A9-8428-CB14AA30176D}"/>
+      <thm15:themeFamily xmlns:thm15="http://schemas.microsoft.com/office/thememl/2012/main" name="Crop" id="{EC9488ED-E761-4D60-9AC4-764D1FE2C171}" vid="{CE19780C-D67D-4C13-9DE9-A52BC3BA51B4}"/>
     </a:ext>
   </a:extLst>
 </a:theme>

--- a/Presentation.pptx
+++ b/Presentation.pptx
@@ -10,6 +10,9 @@
     <p:sldId id="259" r:id="rId4"/>
     <p:sldId id="258" r:id="rId5"/>
     <p:sldId id="260" r:id="rId6"/>
+    <p:sldId id="261" r:id="rId7"/>
+    <p:sldId id="262" r:id="rId8"/>
+    <p:sldId id="263" r:id="rId9"/>
   </p:sldIdLst>
   <p:sldSz cx="12192000" cy="6858000"/>
   <p:notesSz cx="6858000" cy="9144000"/>
@@ -285,7 +288,7 @@
           <a:p>
             <a:fld id="{76E42EAE-A2C4-49F9-84E9-DCB4B2CCF06C}" type="datetimeFigureOut">
               <a:rPr lang="en-IN" smtClean="0"/>
-              <a:t>16-11-2019</a:t>
+              <a:t>17-11-2019</a:t>
             </a:fld>
             <a:endParaRPr lang="en-IN"/>
           </a:p>
@@ -620,7 +623,7 @@
           <a:p>
             <a:fld id="{76E42EAE-A2C4-49F9-84E9-DCB4B2CCF06C}" type="datetimeFigureOut">
               <a:rPr lang="en-IN" smtClean="0"/>
-              <a:t>16-11-2019</a:t>
+              <a:t>17-11-2019</a:t>
             </a:fld>
             <a:endParaRPr lang="en-IN"/>
           </a:p>
@@ -800,7 +803,7 @@
           <a:p>
             <a:fld id="{76E42EAE-A2C4-49F9-84E9-DCB4B2CCF06C}" type="datetimeFigureOut">
               <a:rPr lang="en-IN" smtClean="0"/>
-              <a:t>16-11-2019</a:t>
+              <a:t>17-11-2019</a:t>
             </a:fld>
             <a:endParaRPr lang="en-IN"/>
           </a:p>
@@ -975,7 +978,7 @@
           <a:p>
             <a:fld id="{76E42EAE-A2C4-49F9-84E9-DCB4B2CCF06C}" type="datetimeFigureOut">
               <a:rPr lang="en-IN" smtClean="0"/>
-              <a:t>16-11-2019</a:t>
+              <a:t>17-11-2019</a:t>
             </a:fld>
             <a:endParaRPr lang="en-IN"/>
           </a:p>
@@ -1252,7 +1255,7 @@
           <a:p>
             <a:fld id="{76E42EAE-A2C4-49F9-84E9-DCB4B2CCF06C}" type="datetimeFigureOut">
               <a:rPr lang="en-IN" smtClean="0"/>
-              <a:t>16-11-2019</a:t>
+              <a:t>17-11-2019</a:t>
             </a:fld>
             <a:endParaRPr lang="en-IN"/>
           </a:p>
@@ -1651,7 +1654,7 @@
           <a:p>
             <a:fld id="{76E42EAE-A2C4-49F9-84E9-DCB4B2CCF06C}" type="datetimeFigureOut">
               <a:rPr lang="en-IN" smtClean="0"/>
-              <a:t>16-11-2019</a:t>
+              <a:t>17-11-2019</a:t>
             </a:fld>
             <a:endParaRPr lang="en-IN"/>
           </a:p>
@@ -2128,7 +2131,7 @@
           <a:p>
             <a:fld id="{76E42EAE-A2C4-49F9-84E9-DCB4B2CCF06C}" type="datetimeFigureOut">
               <a:rPr lang="en-IN" smtClean="0"/>
-              <a:t>16-11-2019</a:t>
+              <a:t>17-11-2019</a:t>
             </a:fld>
             <a:endParaRPr lang="en-IN"/>
           </a:p>
@@ -2246,7 +2249,7 @@
           <a:p>
             <a:fld id="{76E42EAE-A2C4-49F9-84E9-DCB4B2CCF06C}" type="datetimeFigureOut">
               <a:rPr lang="en-IN" smtClean="0"/>
-              <a:t>16-11-2019</a:t>
+              <a:t>17-11-2019</a:t>
             </a:fld>
             <a:endParaRPr lang="en-IN"/>
           </a:p>
@@ -2341,7 +2344,7 @@
           <a:p>
             <a:fld id="{76E42EAE-A2C4-49F9-84E9-DCB4B2CCF06C}" type="datetimeFigureOut">
               <a:rPr lang="en-IN" smtClean="0"/>
-              <a:t>16-11-2019</a:t>
+              <a:t>17-11-2019</a:t>
             </a:fld>
             <a:endParaRPr lang="en-IN"/>
           </a:p>
@@ -2687,7 +2690,7 @@
           <a:p>
             <a:fld id="{76E42EAE-A2C4-49F9-84E9-DCB4B2CCF06C}" type="datetimeFigureOut">
               <a:rPr lang="en-IN" smtClean="0"/>
-              <a:t>16-11-2019</a:t>
+              <a:t>17-11-2019</a:t>
             </a:fld>
             <a:endParaRPr lang="en-IN"/>
           </a:p>
@@ -3075,7 +3078,7 @@
           <a:p>
             <a:fld id="{76E42EAE-A2C4-49F9-84E9-DCB4B2CCF06C}" type="datetimeFigureOut">
               <a:rPr lang="en-IN" smtClean="0"/>
-              <a:t>16-11-2019</a:t>
+              <a:t>17-11-2019</a:t>
             </a:fld>
             <a:endParaRPr lang="en-IN"/>
           </a:p>
@@ -3353,7 +3356,7 @@
           <a:p>
             <a:fld id="{76E42EAE-A2C4-49F9-84E9-DCB4B2CCF06C}" type="datetimeFigureOut">
               <a:rPr lang="en-IN" smtClean="0"/>
-              <a:t>16-11-2019</a:t>
+              <a:t>17-11-2019</a:t>
             </a:fld>
             <a:endParaRPr lang="en-IN"/>
           </a:p>
@@ -4085,9 +4088,14 @@
           <a:p>
             <a:pPr algn="ctr"/>
             <a:r>
-              <a:rPr lang="en-IN" dirty="0"/>
+              <a:rPr lang="en-IN" sz="5400" dirty="0">
+                <a:latin typeface="Bahnschrift SemiBold SemiConden" panose="020B0502040204020203" pitchFamily="34" charset="0"/>
+              </a:rPr>
               <a:t>INTRODUCTION</a:t>
             </a:r>
+            <a:endParaRPr lang="en-IN" dirty="0">
+              <a:latin typeface="Bahnschrift SemiBold SemiConden" panose="020B0502040204020203" pitchFamily="34" charset="0"/>
+            </a:endParaRPr>
           </a:p>
         </p:txBody>
       </p:sp>
@@ -4448,17 +4456,25 @@
           <a:p>
             <a:pPr algn="ctr"/>
             <a:r>
-              <a:rPr lang="en-IN" sz="6000" dirty="0"/>
+              <a:rPr lang="en-IN" sz="6000" dirty="0">
+                <a:latin typeface="Bahnschrift SemiBold SemiConden" panose="020B0502040204020203" pitchFamily="34" charset="0"/>
+              </a:rPr>
               <a:t>Login</a:t>
             </a:r>
             <a:br>
-              <a:rPr lang="en-IN" sz="6000" dirty="0"/>
+              <a:rPr lang="en-IN" sz="6000" dirty="0">
+                <a:latin typeface="Bahnschrift SemiBold SemiConden" panose="020B0502040204020203" pitchFamily="34" charset="0"/>
+              </a:rPr>
             </a:br>
             <a:br>
-              <a:rPr lang="en-IN" sz="2000" dirty="0"/>
+              <a:rPr lang="en-IN" sz="2000" dirty="0">
+                <a:latin typeface="Bahnschrift SemiBold SemiConden" panose="020B0502040204020203" pitchFamily="34" charset="0"/>
+              </a:rPr>
             </a:br>
             <a:r>
-              <a:rPr lang="en-IN" sz="2800" dirty="0"/>
+              <a:rPr lang="en-IN" sz="2800" dirty="0">
+                <a:latin typeface="Bahnschrift SemiBold SemiConden" panose="020B0502040204020203" pitchFamily="34" charset="0"/>
+              </a:rPr>
               <a:t>(Login and Signup pages use the same theme)</a:t>
             </a:r>
           </a:p>
@@ -4595,49 +4611,528 @@
           <a:p>
             <a:pPr algn="ctr"/>
             <a:r>
-              <a:rPr lang="en-IN" sz="5400" dirty="0"/>
+              <a:rPr lang="en-IN" sz="5400" dirty="0">
+                <a:latin typeface="Bahnschrift SemiBold SemiConden" panose="020B0502040204020203" pitchFamily="34" charset="0"/>
+              </a:rPr>
               <a:t>HOME PAGE </a:t>
             </a:r>
             <a:br>
-              <a:rPr lang="en-IN" sz="5400" dirty="0"/>
+              <a:rPr lang="en-IN" sz="5400" dirty="0">
+                <a:latin typeface="Bahnschrift SemiBold SemiConden" panose="020B0502040204020203" pitchFamily="34" charset="0"/>
+              </a:rPr>
             </a:br>
             <a:r>
-              <a:rPr lang="en-IN" sz="2400" dirty="0"/>
-              <a:t>The homepage uses a different theme than the one used for Login/Signup. The rest of the webpages also follow this theme.</a:t>
-            </a:r>
-            <a:endParaRPr lang="en-IN" sz="5400" dirty="0"/>
-          </a:p>
-        </p:txBody>
-      </p:sp>
-      <p:sp>
-        <p:nvSpPr>
-          <p:cNvPr id="3" name="Content Placeholder 2">
+              <a:rPr lang="en-IN" sz="2400" dirty="0">
+                <a:latin typeface="Bahnschrift SemiBold SemiConden" panose="020B0502040204020203" pitchFamily="34" charset="0"/>
+              </a:rPr>
+              <a:t>The homepage uses a different theme than the one used for Login/Signup. The rest of the webpages also follow this theme, all having a common navigation bar made using CSS and Bootstrap</a:t>
+            </a:r>
+            <a:endParaRPr lang="en-IN" sz="5400" dirty="0">
+              <a:latin typeface="Bahnschrift SemiBold SemiConden" panose="020B0502040204020203" pitchFamily="34" charset="0"/>
+            </a:endParaRPr>
+          </a:p>
+        </p:txBody>
+      </p:sp>
+      <p:pic>
+        <p:nvPicPr>
+          <p:cNvPr id="9" name="Content Placeholder 8">
             <a:extLst>
               <a:ext uri="{FF2B5EF4-FFF2-40B4-BE49-F238E27FC236}">
-                <a16:creationId xmlns:a16="http://schemas.microsoft.com/office/drawing/2014/main" id="{1E6BC86A-FB05-4A06-92B6-FA8742C99251}"/>
+                <a16:creationId xmlns:a16="http://schemas.microsoft.com/office/drawing/2014/main" id="{9B402391-6112-46D4-A708-2ACEB13F2013}"/>
               </a:ext>
             </a:extLst>
           </p:cNvPr>
-          <p:cNvSpPr>
-            <a:spLocks noGrp="1"/>
-          </p:cNvSpPr>
+          <p:cNvPicPr>
+            <a:picLocks noGrp="1" noChangeAspect="1"/>
+          </p:cNvPicPr>
           <p:nvPr>
             <p:ph idx="1"/>
           </p:nvPr>
-        </p:nvSpPr>
-        <p:spPr/>
-        <p:txBody>
-          <a:bodyPr/>
-          <a:lstStyle/>
-          <a:p>
-            <a:endParaRPr lang="en-IN" dirty="0"/>
-          </a:p>
-        </p:txBody>
-      </p:sp>
+        </p:nvPicPr>
+        <p:blipFill>
+          <a:blip r:embed="rId2">
+            <a:extLst>
+              <a:ext uri="{28A0092B-C50C-407E-A947-70E740481C1C}">
+                <a14:useLocalDpi xmlns:a14="http://schemas.microsoft.com/office/drawing/2010/main" val="0"/>
+              </a:ext>
+            </a:extLst>
+          </a:blip>
+          <a:stretch>
+            <a:fillRect/>
+          </a:stretch>
+        </p:blipFill>
+        <p:spPr>
+          <a:xfrm>
+            <a:off x="2097625" y="2295525"/>
+            <a:ext cx="8492050" cy="4029075"/>
+          </a:xfrm>
+        </p:spPr>
+      </p:pic>
     </p:spTree>
     <p:extLst>
       <p:ext uri="{BB962C8B-B14F-4D97-AF65-F5344CB8AC3E}">
         <p14:creationId xmlns:p14="http://schemas.microsoft.com/office/powerpoint/2010/main" val="1677906298"/>
+      </p:ext>
+    </p:extLst>
+  </p:cSld>
+  <p:clrMapOvr>
+    <a:masterClrMapping/>
+  </p:clrMapOvr>
+</p:sld>
+</file>
+
+<file path=ppt/slides/slide6.xml><?xml version="1.0" encoding="utf-8"?>
+<p:sld xmlns:a="http://schemas.openxmlformats.org/drawingml/2006/main" xmlns:r="http://schemas.openxmlformats.org/officeDocument/2006/relationships" xmlns:p="http://schemas.openxmlformats.org/presentationml/2006/main">
+  <p:cSld>
+    <p:spTree>
+      <p:nvGrpSpPr>
+        <p:cNvPr id="1" name=""/>
+        <p:cNvGrpSpPr/>
+        <p:nvPr/>
+      </p:nvGrpSpPr>
+      <p:grpSpPr>
+        <a:xfrm>
+          <a:off x="0" y="0"/>
+          <a:ext cx="0" cy="0"/>
+          <a:chOff x="0" y="0"/>
+          <a:chExt cx="0" cy="0"/>
+        </a:xfrm>
+      </p:grpSpPr>
+      <p:sp>
+        <p:nvSpPr>
+          <p:cNvPr id="2" name="Title 1">
+            <a:extLst>
+              <a:ext uri="{FF2B5EF4-FFF2-40B4-BE49-F238E27FC236}">
+                <a16:creationId xmlns:a16="http://schemas.microsoft.com/office/drawing/2014/main" id="{F81C8B99-BB97-47F1-99FC-610BA0B45856}"/>
+              </a:ext>
+            </a:extLst>
+          </p:cNvPr>
+          <p:cNvSpPr>
+            <a:spLocks noGrp="1"/>
+          </p:cNvSpPr>
+          <p:nvPr>
+            <p:ph type="title"/>
+          </p:nvPr>
+        </p:nvSpPr>
+        <p:spPr>
+          <a:xfrm>
+            <a:off x="1371599" y="304800"/>
+            <a:ext cx="10125075" cy="1866900"/>
+          </a:xfrm>
+        </p:spPr>
+        <p:txBody>
+          <a:bodyPr>
+            <a:normAutofit/>
+          </a:bodyPr>
+          <a:lstStyle/>
+          <a:p>
+            <a:pPr algn="ctr"/>
+            <a:r>
+              <a:rPr lang="en-IN" sz="4800" dirty="0">
+                <a:latin typeface="Bahnschrift SemiCondensed" panose="020B0502040204020203" pitchFamily="34" charset="0"/>
+              </a:rPr>
+              <a:t>ABOUT/CONTACT US PAGE</a:t>
+            </a:r>
+            <a:br>
+              <a:rPr lang="en-IN" sz="4800" dirty="0">
+                <a:latin typeface="Bahnschrift SemiCondensed" panose="020B0502040204020203" pitchFamily="34" charset="0"/>
+              </a:rPr>
+            </a:br>
+            <a:r>
+              <a:rPr lang="en-IN" sz="1800" dirty="0">
+                <a:latin typeface="Bahnschrift SemiCondensed" panose="020B0502040204020203" pitchFamily="34" charset="0"/>
+              </a:rPr>
+              <a:t> </a:t>
+            </a:r>
+            <a:br>
+              <a:rPr lang="en-IN" sz="4800" dirty="0">
+                <a:latin typeface="Bahnschrift SemiCondensed" panose="020B0502040204020203" pitchFamily="34" charset="0"/>
+              </a:rPr>
+            </a:br>
+            <a:r>
+              <a:rPr lang="en-IN" sz="2400" dirty="0">
+                <a:latin typeface="Bahnschrift SemiCondensed" panose="020B0502040204020203" pitchFamily="34" charset="0"/>
+              </a:rPr>
+              <a:t>This page provides a brief description of the website and also has details of the makers(</a:t>
+            </a:r>
+            <a:r>
+              <a:rPr lang="en-IN" sz="2400" dirty="0" err="1">
+                <a:latin typeface="Bahnschrift SemiCondensed" panose="020B0502040204020203" pitchFamily="34" charset="0"/>
+              </a:rPr>
+              <a:t>i.e</a:t>
+            </a:r>
+            <a:r>
+              <a:rPr lang="en-IN" sz="2400" dirty="0">
+                <a:latin typeface="Bahnschrift SemiCondensed" panose="020B0502040204020203" pitchFamily="34" charset="0"/>
+              </a:rPr>
+              <a:t> team members) as profile cards </a:t>
+            </a:r>
+          </a:p>
+        </p:txBody>
+      </p:sp>
+      <p:pic>
+        <p:nvPicPr>
+          <p:cNvPr id="11" name="Content Placeholder 10">
+            <a:extLst>
+              <a:ext uri="{FF2B5EF4-FFF2-40B4-BE49-F238E27FC236}">
+                <a16:creationId xmlns:a16="http://schemas.microsoft.com/office/drawing/2014/main" id="{709BBE34-DAAE-4A7B-8AE7-F386B0F17471}"/>
+              </a:ext>
+            </a:extLst>
+          </p:cNvPr>
+          <p:cNvPicPr>
+            <a:picLocks noGrp="1" noChangeAspect="1"/>
+          </p:cNvPicPr>
+          <p:nvPr>
+            <p:ph idx="1"/>
+          </p:nvPr>
+        </p:nvPicPr>
+        <p:blipFill>
+          <a:blip r:embed="rId2">
+            <a:extLst>
+              <a:ext uri="{28A0092B-C50C-407E-A947-70E740481C1C}">
+                <a14:useLocalDpi xmlns:a14="http://schemas.microsoft.com/office/drawing/2010/main" val="0"/>
+              </a:ext>
+            </a:extLst>
+          </a:blip>
+          <a:stretch>
+            <a:fillRect/>
+          </a:stretch>
+        </p:blipFill>
+        <p:spPr>
+          <a:xfrm>
+            <a:off x="6619875" y="3429000"/>
+            <a:ext cx="5572125" cy="2657968"/>
+          </a:xfrm>
+        </p:spPr>
+      </p:pic>
+      <p:pic>
+        <p:nvPicPr>
+          <p:cNvPr id="13" name="Picture 12">
+            <a:extLst>
+              <a:ext uri="{FF2B5EF4-FFF2-40B4-BE49-F238E27FC236}">
+                <a16:creationId xmlns:a16="http://schemas.microsoft.com/office/drawing/2014/main" id="{F9E9AE7C-7697-4578-9515-55FF923791FD}"/>
+              </a:ext>
+            </a:extLst>
+          </p:cNvPr>
+          <p:cNvPicPr>
+            <a:picLocks noChangeAspect="1"/>
+          </p:cNvPicPr>
+          <p:nvPr/>
+        </p:nvPicPr>
+        <p:blipFill>
+          <a:blip r:embed="rId3">
+            <a:extLst>
+              <a:ext uri="{28A0092B-C50C-407E-A947-70E740481C1C}">
+                <a14:useLocalDpi xmlns:a14="http://schemas.microsoft.com/office/drawing/2010/main" val="0"/>
+              </a:ext>
+            </a:extLst>
+          </a:blip>
+          <a:stretch>
+            <a:fillRect/>
+          </a:stretch>
+        </p:blipFill>
+        <p:spPr>
+          <a:xfrm>
+            <a:off x="1038225" y="2363975"/>
+            <a:ext cx="5295900" cy="2322326"/>
+          </a:xfrm>
+          <a:prstGeom prst="rect">
+            <a:avLst/>
+          </a:prstGeom>
+        </p:spPr>
+      </p:pic>
+    </p:spTree>
+    <p:extLst>
+      <p:ext uri="{BB962C8B-B14F-4D97-AF65-F5344CB8AC3E}">
+        <p14:creationId xmlns:p14="http://schemas.microsoft.com/office/powerpoint/2010/main" val="2722397687"/>
+      </p:ext>
+    </p:extLst>
+  </p:cSld>
+  <p:clrMapOvr>
+    <a:masterClrMapping/>
+  </p:clrMapOvr>
+</p:sld>
+</file>
+
+<file path=ppt/slides/slide7.xml><?xml version="1.0" encoding="utf-8"?>
+<p:sld xmlns:a="http://schemas.openxmlformats.org/drawingml/2006/main" xmlns:r="http://schemas.openxmlformats.org/officeDocument/2006/relationships" xmlns:p="http://schemas.openxmlformats.org/presentationml/2006/main">
+  <p:cSld>
+    <p:spTree>
+      <p:nvGrpSpPr>
+        <p:cNvPr id="1" name=""/>
+        <p:cNvGrpSpPr/>
+        <p:nvPr/>
+      </p:nvGrpSpPr>
+      <p:grpSpPr>
+        <a:xfrm>
+          <a:off x="0" y="0"/>
+          <a:ext cx="0" cy="0"/>
+          <a:chOff x="0" y="0"/>
+          <a:chExt cx="0" cy="0"/>
+        </a:xfrm>
+      </p:grpSpPr>
+      <p:sp>
+        <p:nvSpPr>
+          <p:cNvPr id="2" name="Title 1">
+            <a:extLst>
+              <a:ext uri="{FF2B5EF4-FFF2-40B4-BE49-F238E27FC236}">
+                <a16:creationId xmlns:a16="http://schemas.microsoft.com/office/drawing/2014/main" id="{6A6C6ECF-4585-451B-8E22-FAFB59937248}"/>
+              </a:ext>
+            </a:extLst>
+          </p:cNvPr>
+          <p:cNvSpPr>
+            <a:spLocks noGrp="1"/>
+          </p:cNvSpPr>
+          <p:nvPr>
+            <p:ph type="title"/>
+          </p:nvPr>
+        </p:nvSpPr>
+        <p:spPr>
+          <a:xfrm>
+            <a:off x="1371600" y="152400"/>
+            <a:ext cx="10248900" cy="2019300"/>
+          </a:xfrm>
+        </p:spPr>
+        <p:txBody>
+          <a:bodyPr>
+            <a:normAutofit/>
+          </a:bodyPr>
+          <a:lstStyle/>
+          <a:p>
+            <a:pPr algn="ctr"/>
+            <a:r>
+              <a:rPr lang="en-IN" sz="5300" dirty="0">
+                <a:latin typeface="Bahnschrift SemiCondensed" panose="020B0502040204020203" pitchFamily="34" charset="0"/>
+              </a:rPr>
+              <a:t>HOST/EDIT/JOIN TOURNAMENTS</a:t>
+            </a:r>
+            <a:br>
+              <a:rPr lang="en-IN" dirty="0">
+                <a:latin typeface="Bahnschrift SemiCondensed" panose="020B0502040204020203" pitchFamily="34" charset="0"/>
+              </a:rPr>
+            </a:br>
+            <a:br>
+              <a:rPr lang="en-IN" sz="2400" dirty="0">
+                <a:latin typeface="Bahnschrift SemiCondensed" panose="020B0502040204020203" pitchFamily="34" charset="0"/>
+              </a:rPr>
+            </a:br>
+            <a:r>
+              <a:rPr lang="en-IN" sz="2400" dirty="0">
+                <a:latin typeface="Bahnschrift SemiCondensed" panose="020B0502040204020203" pitchFamily="34" charset="0"/>
+              </a:rPr>
+              <a:t>All these pages follow the same theme allowing the user to Host a tournament, Join a pre-existing tournament or update scores/rulebook using the Edit feature. </a:t>
+            </a:r>
+            <a:endParaRPr lang="en-IN" dirty="0">
+              <a:latin typeface="Bahnschrift SemiCondensed" panose="020B0502040204020203" pitchFamily="34" charset="0"/>
+            </a:endParaRPr>
+          </a:p>
+        </p:txBody>
+      </p:sp>
+      <p:pic>
+        <p:nvPicPr>
+          <p:cNvPr id="5" name="Content Placeholder 4">
+            <a:extLst>
+              <a:ext uri="{FF2B5EF4-FFF2-40B4-BE49-F238E27FC236}">
+                <a16:creationId xmlns:a16="http://schemas.microsoft.com/office/drawing/2014/main" id="{F949AF12-B324-4B95-8E0C-E4AD4BE2498A}"/>
+              </a:ext>
+            </a:extLst>
+          </p:cNvPr>
+          <p:cNvPicPr>
+            <a:picLocks noGrp="1" noChangeAspect="1"/>
+          </p:cNvPicPr>
+          <p:nvPr>
+            <p:ph idx="1"/>
+          </p:nvPr>
+        </p:nvPicPr>
+        <p:blipFill>
+          <a:blip r:embed="rId2">
+            <a:extLst>
+              <a:ext uri="{28A0092B-C50C-407E-A947-70E740481C1C}">
+                <a14:useLocalDpi xmlns:a14="http://schemas.microsoft.com/office/drawing/2010/main" val="0"/>
+              </a:ext>
+            </a:extLst>
+          </a:blip>
+          <a:stretch>
+            <a:fillRect/>
+          </a:stretch>
+        </p:blipFill>
+        <p:spPr>
+          <a:xfrm>
+            <a:off x="3971751" y="2171700"/>
+            <a:ext cx="5048597" cy="2838450"/>
+          </a:xfrm>
+        </p:spPr>
+      </p:pic>
+      <p:sp>
+        <p:nvSpPr>
+          <p:cNvPr id="6" name="TextBox 5">
+            <a:extLst>
+              <a:ext uri="{FF2B5EF4-FFF2-40B4-BE49-F238E27FC236}">
+                <a16:creationId xmlns:a16="http://schemas.microsoft.com/office/drawing/2014/main" id="{807760E6-3117-41AA-831D-278B38DBD63A}"/>
+              </a:ext>
+            </a:extLst>
+          </p:cNvPr>
+          <p:cNvSpPr txBox="1"/>
+          <p:nvPr/>
+        </p:nvSpPr>
+        <p:spPr>
+          <a:xfrm>
+            <a:off x="1371601" y="5200560"/>
+            <a:ext cx="10248899" cy="1200329"/>
+          </a:xfrm>
+          <a:prstGeom prst="rect">
+            <a:avLst/>
+          </a:prstGeom>
+          <a:noFill/>
+        </p:spPr>
+        <p:txBody>
+          <a:bodyPr wrap="square" rtlCol="0">
+            <a:spAutoFit/>
+          </a:bodyPr>
+          <a:lstStyle/>
+          <a:p>
+            <a:pPr algn="ctr"/>
+            <a:r>
+              <a:rPr lang="en-IN" b="1" dirty="0"/>
+              <a:t>Host Tournament</a:t>
+            </a:r>
+          </a:p>
+          <a:p>
+            <a:pPr algn="ctr"/>
+            <a:endParaRPr lang="en-IN" b="1" dirty="0"/>
+          </a:p>
+          <a:p>
+            <a:pPr algn="just"/>
+            <a:r>
+              <a:rPr lang="en-IN" dirty="0"/>
+              <a:t>When the user enters all details and clicks on “GO”, a new record is created in our database which stores the details of the tournament. This is then reflected in the calendar displayed on the Home Page.</a:t>
+            </a:r>
+          </a:p>
+        </p:txBody>
+      </p:sp>
+    </p:spTree>
+    <p:extLst>
+      <p:ext uri="{BB962C8B-B14F-4D97-AF65-F5344CB8AC3E}">
+        <p14:creationId xmlns:p14="http://schemas.microsoft.com/office/powerpoint/2010/main" val="1715699734"/>
+      </p:ext>
+    </p:extLst>
+  </p:cSld>
+  <p:clrMapOvr>
+    <a:masterClrMapping/>
+  </p:clrMapOvr>
+</p:sld>
+</file>
+
+<file path=ppt/slides/slide8.xml><?xml version="1.0" encoding="utf-8"?>
+<p:sld xmlns:a="http://schemas.openxmlformats.org/drawingml/2006/main" xmlns:r="http://schemas.openxmlformats.org/officeDocument/2006/relationships" xmlns:p="http://schemas.openxmlformats.org/presentationml/2006/main">
+  <p:cSld>
+    <p:spTree>
+      <p:nvGrpSpPr>
+        <p:cNvPr id="1" name=""/>
+        <p:cNvGrpSpPr/>
+        <p:nvPr/>
+      </p:nvGrpSpPr>
+      <p:grpSpPr>
+        <a:xfrm>
+          <a:off x="0" y="0"/>
+          <a:ext cx="0" cy="0"/>
+          <a:chOff x="0" y="0"/>
+          <a:chExt cx="0" cy="0"/>
+        </a:xfrm>
+      </p:grpSpPr>
+      <p:sp>
+        <p:nvSpPr>
+          <p:cNvPr id="2" name="Title 1">
+            <a:extLst>
+              <a:ext uri="{FF2B5EF4-FFF2-40B4-BE49-F238E27FC236}">
+                <a16:creationId xmlns:a16="http://schemas.microsoft.com/office/drawing/2014/main" id="{468BC246-1A80-4BE6-B21C-E2486C6DA6F8}"/>
+              </a:ext>
+            </a:extLst>
+          </p:cNvPr>
+          <p:cNvSpPr>
+            <a:spLocks noGrp="1"/>
+          </p:cNvSpPr>
+          <p:nvPr>
+            <p:ph type="title"/>
+          </p:nvPr>
+        </p:nvSpPr>
+        <p:spPr/>
+        <p:txBody>
+          <a:bodyPr/>
+          <a:lstStyle/>
+          <a:p>
+            <a:pPr algn="ctr"/>
+            <a:r>
+              <a:rPr lang="en-IN" sz="6600" dirty="0">
+                <a:latin typeface="Bahnschrift SemiBold SemiConden" panose="020B0502040204020203" pitchFamily="34" charset="0"/>
+              </a:rPr>
+              <a:t>BACK-END</a:t>
+            </a:r>
+            <a:endParaRPr lang="en-IN" dirty="0"/>
+          </a:p>
+        </p:txBody>
+      </p:sp>
+      <p:sp>
+        <p:nvSpPr>
+          <p:cNvPr id="3" name="Content Placeholder 2">
+            <a:extLst>
+              <a:ext uri="{FF2B5EF4-FFF2-40B4-BE49-F238E27FC236}">
+                <a16:creationId xmlns:a16="http://schemas.microsoft.com/office/drawing/2014/main" id="{815755FD-741A-4C26-B010-6D15336A54A3}"/>
+              </a:ext>
+            </a:extLst>
+          </p:cNvPr>
+          <p:cNvSpPr>
+            <a:spLocks noGrp="1"/>
+          </p:cNvSpPr>
+          <p:nvPr>
+            <p:ph idx="1"/>
+          </p:nvPr>
+        </p:nvSpPr>
+        <p:spPr/>
+        <p:txBody>
+          <a:bodyPr/>
+          <a:lstStyle/>
+          <a:p>
+            <a:pPr marL="0" indent="0">
+              <a:buNone/>
+            </a:pPr>
+            <a:r>
+              <a:rPr lang="en-IN" dirty="0"/>
+              <a:t>The backend has been made predominantly using PHP. The database used to store data, whether it is user data or the tournaments is SQL. We’ve also used Apache to set up the server.</a:t>
+            </a:r>
+          </a:p>
+          <a:p>
+            <a:pPr marL="0" indent="0">
+              <a:buNone/>
+            </a:pPr>
+            <a:r>
+              <a:rPr lang="en-IN" dirty="0"/>
+              <a:t>A significant amount of JavaScript has also been used for the backend.</a:t>
+            </a:r>
+          </a:p>
+          <a:p>
+            <a:pPr marL="0" indent="0">
+              <a:buNone/>
+            </a:pPr>
+            <a:r>
+              <a:rPr lang="en-IN" dirty="0"/>
+              <a:t>To enable the ‘Edit Tournament’ feature, we’re making use of HTML5 </a:t>
+            </a:r>
+            <a:r>
+              <a:rPr lang="en-IN" dirty="0" err="1"/>
+              <a:t>LocalStorage</a:t>
+            </a:r>
+            <a:r>
+              <a:rPr lang="en-IN" dirty="0"/>
+              <a:t> to store the updated scores.</a:t>
+            </a:r>
+          </a:p>
+        </p:txBody>
+      </p:sp>
+    </p:spTree>
+    <p:extLst>
+      <p:ext uri="{BB962C8B-B14F-4D97-AF65-F5344CB8AC3E}">
+        <p14:creationId xmlns:p14="http://schemas.microsoft.com/office/powerpoint/2010/main" val="492432126"/>
       </p:ext>
     </p:extLst>
   </p:cSld>
